--- a/Media/Diagrams.pptx
+++ b/Media/Diagrams.pptx
@@ -6,6 +6,7 @@
   </p:sldMasterIdLst>
   <p:sldIdLst>
     <p:sldId id="256" r:id="rId2"/>
+    <p:sldId id="257" r:id="rId3"/>
   </p:sldIdLst>
   <p:sldSz cx="12192000" cy="6858000"/>
   <p:notesSz cx="6858000" cy="9144000"/>
@@ -8480,6 +8481,4024 @@
 </p:sld>
 </file>
 
+<file path=ppt/slides/slide2.xml><?xml version="1.0" encoding="utf-8"?>
+<p:sld xmlns:a="http://schemas.openxmlformats.org/drawingml/2006/main" xmlns:r="http://schemas.openxmlformats.org/officeDocument/2006/relationships" xmlns:p="http://schemas.openxmlformats.org/presentationml/2006/main">
+  <p:cSld>
+    <p:spTree>
+      <p:nvGrpSpPr>
+        <p:cNvPr id="1" name=""/>
+        <p:cNvGrpSpPr/>
+        <p:nvPr/>
+      </p:nvGrpSpPr>
+      <p:grpSpPr>
+        <a:xfrm>
+          <a:off x="0" y="0"/>
+          <a:ext cx="0" cy="0"/>
+          <a:chOff x="0" y="0"/>
+          <a:chExt cx="0" cy="0"/>
+        </a:xfrm>
+      </p:grpSpPr>
+      <p:grpSp>
+        <p:nvGrpSpPr>
+          <p:cNvPr id="128" name="Group 127">
+            <a:extLst>
+              <a:ext uri="{FF2B5EF4-FFF2-40B4-BE49-F238E27FC236}">
+                <a16:creationId xmlns:a16="http://schemas.microsoft.com/office/drawing/2014/main" id="{86AC25F0-DFD3-4185-A772-D7D47816F1D3}"/>
+              </a:ext>
+            </a:extLst>
+          </p:cNvPr>
+          <p:cNvGrpSpPr/>
+          <p:nvPr/>
+        </p:nvGrpSpPr>
+        <p:grpSpPr>
+          <a:xfrm>
+            <a:off x="4091506" y="4234954"/>
+            <a:ext cx="1210785" cy="1384525"/>
+            <a:chOff x="5269750" y="1438188"/>
+            <a:chExt cx="1210785" cy="1384525"/>
+          </a:xfrm>
+        </p:grpSpPr>
+        <p:sp>
+          <p:nvSpPr>
+            <p:cNvPr id="127" name="Rectangle: Rounded Corners 126">
+              <a:extLst>
+                <a:ext uri="{FF2B5EF4-FFF2-40B4-BE49-F238E27FC236}">
+                  <a16:creationId xmlns:a16="http://schemas.microsoft.com/office/drawing/2014/main" id="{17641E83-4B01-4FBC-B092-ACFCE8130C30}"/>
+                </a:ext>
+              </a:extLst>
+            </p:cNvPr>
+            <p:cNvSpPr/>
+            <p:nvPr/>
+          </p:nvSpPr>
+          <p:spPr>
+            <a:xfrm>
+              <a:off x="5269750" y="1438188"/>
+              <a:ext cx="1210785" cy="1384525"/>
+            </a:xfrm>
+            <a:prstGeom prst="roundRect">
+              <a:avLst>
+                <a:gd name="adj" fmla="val 6590"/>
+              </a:avLst>
+            </a:prstGeom>
+            <a:solidFill>
+              <a:schemeClr val="bg1"/>
+            </a:solidFill>
+          </p:spPr>
+          <p:style>
+            <a:lnRef idx="2">
+              <a:schemeClr val="accent1">
+                <a:shade val="50000"/>
+              </a:schemeClr>
+            </a:lnRef>
+            <a:fillRef idx="1">
+              <a:schemeClr val="accent1"/>
+            </a:fillRef>
+            <a:effectRef idx="0">
+              <a:schemeClr val="accent1"/>
+            </a:effectRef>
+            <a:fontRef idx="minor">
+              <a:schemeClr val="lt1"/>
+            </a:fontRef>
+          </p:style>
+          <p:txBody>
+            <a:bodyPr rtlCol="0" anchor="ctr"/>
+            <a:lstStyle/>
+            <a:p>
+              <a:pPr algn="ctr"/>
+              <a:endParaRPr lang="en-US" dirty="0"/>
+            </a:p>
+          </p:txBody>
+        </p:sp>
+        <p:grpSp>
+          <p:nvGrpSpPr>
+            <p:cNvPr id="87" name="Group 86">
+              <a:extLst>
+                <a:ext uri="{FF2B5EF4-FFF2-40B4-BE49-F238E27FC236}">
+                  <a16:creationId xmlns:a16="http://schemas.microsoft.com/office/drawing/2014/main" id="{14B9C937-1E74-485D-B938-F759BCFE529D}"/>
+                </a:ext>
+              </a:extLst>
+            </p:cNvPr>
+            <p:cNvGrpSpPr/>
+            <p:nvPr/>
+          </p:nvGrpSpPr>
+          <p:grpSpPr>
+            <a:xfrm>
+              <a:off x="5269750" y="1492608"/>
+              <a:ext cx="1210785" cy="1178273"/>
+              <a:chOff x="4319032" y="2975495"/>
+              <a:chExt cx="1210785" cy="1178273"/>
+            </a:xfrm>
+          </p:grpSpPr>
+          <p:pic>
+            <p:nvPicPr>
+              <p:cNvPr id="88" name="Graphic 87">
+                <a:extLst>
+                  <a:ext uri="{FF2B5EF4-FFF2-40B4-BE49-F238E27FC236}">
+                    <a16:creationId xmlns:a16="http://schemas.microsoft.com/office/drawing/2014/main" id="{D8E633E7-AE30-465F-B455-FD54CB736B33}"/>
+                  </a:ext>
+                </a:extLst>
+              </p:cNvPr>
+              <p:cNvPicPr>
+                <a:picLocks noChangeAspect="1"/>
+              </p:cNvPicPr>
+              <p:nvPr/>
+            </p:nvPicPr>
+            <p:blipFill>
+              <a:blip r:embed="rId2">
+                <a:extLst>
+                  <a:ext uri="{28A0092B-C50C-407E-A947-70E740481C1C}">
+                    <a14:useLocalDpi xmlns:a14="http://schemas.microsoft.com/office/drawing/2010/main" val="0"/>
+                  </a:ext>
+                  <a:ext uri="{96DAC541-7B7A-43D3-8B79-37D633B846F1}">
+                    <asvg:svgBlip xmlns:asvg="http://schemas.microsoft.com/office/drawing/2016/SVG/main" r:embed="rId3"/>
+                  </a:ext>
+                </a:extLst>
+              </a:blip>
+              <a:stretch>
+                <a:fillRect/>
+              </a:stretch>
+            </p:blipFill>
+            <p:spPr>
+              <a:xfrm>
+                <a:off x="4703276" y="2975495"/>
+                <a:ext cx="442298" cy="476250"/>
+              </a:xfrm>
+              <a:prstGeom prst="rect">
+                <a:avLst/>
+              </a:prstGeom>
+            </p:spPr>
+          </p:pic>
+          <p:sp>
+            <p:nvSpPr>
+              <p:cNvPr id="89" name="TextBox 88">
+                <a:extLst>
+                  <a:ext uri="{FF2B5EF4-FFF2-40B4-BE49-F238E27FC236}">
+                    <a16:creationId xmlns:a16="http://schemas.microsoft.com/office/drawing/2014/main" id="{85D7E049-52CF-47EA-B6EE-3C6AE276E453}"/>
+                  </a:ext>
+                </a:extLst>
+              </p:cNvPr>
+              <p:cNvSpPr txBox="1"/>
+              <p:nvPr/>
+            </p:nvSpPr>
+            <p:spPr>
+              <a:xfrm>
+                <a:off x="4319032" y="3476660"/>
+                <a:ext cx="1210785" cy="677108"/>
+              </a:xfrm>
+              <a:prstGeom prst="rect">
+                <a:avLst/>
+              </a:prstGeom>
+              <a:noFill/>
+            </p:spPr>
+            <p:txBody>
+              <a:bodyPr wrap="square" rtlCol="0">
+                <a:spAutoFit/>
+              </a:bodyPr>
+              <a:lstStyle/>
+              <a:p>
+                <a:pPr algn="ctr"/>
+                <a:r>
+                  <a:rPr lang="en-US" sz="1400" dirty="0"/>
+                  <a:t>AML Model Registry</a:t>
+                </a:r>
+                <a:endParaRPr lang="en-US" sz="1100" dirty="0"/>
+              </a:p>
+              <a:p>
+                <a:pPr algn="ctr"/>
+                <a:r>
+                  <a:rPr lang="en-US" sz="1000" dirty="0"/>
+                  <a:t>Version models</a:t>
+                </a:r>
+              </a:p>
+            </p:txBody>
+          </p:sp>
+        </p:grpSp>
+      </p:grpSp>
+      <p:sp>
+        <p:nvSpPr>
+          <p:cNvPr id="122" name="TextBox 121">
+            <a:extLst>
+              <a:ext uri="{FF2B5EF4-FFF2-40B4-BE49-F238E27FC236}">
+                <a16:creationId xmlns:a16="http://schemas.microsoft.com/office/drawing/2014/main" id="{3AF1A092-72AB-44C3-BF7E-60B096E6C4B1}"/>
+              </a:ext>
+            </a:extLst>
+          </p:cNvPr>
+          <p:cNvSpPr txBox="1"/>
+          <p:nvPr/>
+        </p:nvSpPr>
+        <p:spPr>
+          <a:xfrm>
+            <a:off x="6012908" y="3781060"/>
+            <a:ext cx="977056" cy="461665"/>
+          </a:xfrm>
+          <a:prstGeom prst="rect">
+            <a:avLst/>
+          </a:prstGeom>
+          <a:noFill/>
+        </p:spPr>
+        <p:txBody>
+          <a:bodyPr wrap="square" rtlCol="0">
+            <a:spAutoFit/>
+          </a:bodyPr>
+          <a:lstStyle/>
+          <a:p>
+            <a:pPr algn="ctr"/>
+            <a:r>
+              <a:rPr lang="en-US" sz="1200" dirty="0"/>
+              <a:t>Register image</a:t>
+            </a:r>
+          </a:p>
+        </p:txBody>
+      </p:sp>
+      <p:grpSp>
+        <p:nvGrpSpPr>
+          <p:cNvPr id="165" name="Group 164">
+            <a:extLst>
+              <a:ext uri="{FF2B5EF4-FFF2-40B4-BE49-F238E27FC236}">
+                <a16:creationId xmlns:a16="http://schemas.microsoft.com/office/drawing/2014/main" id="{A2828C11-C9C0-47CF-8565-E1F41E989C6E}"/>
+              </a:ext>
+            </a:extLst>
+          </p:cNvPr>
+          <p:cNvGrpSpPr/>
+          <p:nvPr/>
+        </p:nvGrpSpPr>
+        <p:grpSpPr>
+          <a:xfrm>
+            <a:off x="122697" y="120919"/>
+            <a:ext cx="1210785" cy="1386582"/>
+            <a:chOff x="5269750" y="1438188"/>
+            <a:chExt cx="1210785" cy="1386582"/>
+          </a:xfrm>
+        </p:grpSpPr>
+        <p:sp>
+          <p:nvSpPr>
+            <p:cNvPr id="166" name="Rectangle: Rounded Corners 165">
+              <a:extLst>
+                <a:ext uri="{FF2B5EF4-FFF2-40B4-BE49-F238E27FC236}">
+                  <a16:creationId xmlns:a16="http://schemas.microsoft.com/office/drawing/2014/main" id="{0850A5DD-586D-48A8-82F0-B5859B14195F}"/>
+                </a:ext>
+              </a:extLst>
+            </p:cNvPr>
+            <p:cNvSpPr/>
+            <p:nvPr/>
+          </p:nvSpPr>
+          <p:spPr>
+            <a:xfrm>
+              <a:off x="5269750" y="1438188"/>
+              <a:ext cx="1210785" cy="1384525"/>
+            </a:xfrm>
+            <a:prstGeom prst="roundRect">
+              <a:avLst>
+                <a:gd name="adj" fmla="val 6590"/>
+              </a:avLst>
+            </a:prstGeom>
+            <a:solidFill>
+              <a:schemeClr val="bg1"/>
+            </a:solidFill>
+          </p:spPr>
+          <p:style>
+            <a:lnRef idx="2">
+              <a:schemeClr val="accent1">
+                <a:shade val="50000"/>
+              </a:schemeClr>
+            </a:lnRef>
+            <a:fillRef idx="1">
+              <a:schemeClr val="accent1"/>
+            </a:fillRef>
+            <a:effectRef idx="0">
+              <a:schemeClr val="accent1"/>
+            </a:effectRef>
+            <a:fontRef idx="minor">
+              <a:schemeClr val="lt1"/>
+            </a:fontRef>
+          </p:style>
+          <p:txBody>
+            <a:bodyPr rtlCol="0" anchor="ctr"/>
+            <a:lstStyle/>
+            <a:p>
+              <a:pPr algn="ctr"/>
+              <a:endParaRPr lang="en-US"/>
+            </a:p>
+          </p:txBody>
+        </p:sp>
+        <p:grpSp>
+          <p:nvGrpSpPr>
+            <p:cNvPr id="167" name="Group 166">
+              <a:extLst>
+                <a:ext uri="{FF2B5EF4-FFF2-40B4-BE49-F238E27FC236}">
+                  <a16:creationId xmlns:a16="http://schemas.microsoft.com/office/drawing/2014/main" id="{DBFAA4BD-4A8E-45BF-886A-BFBB1B8CD2F9}"/>
+                </a:ext>
+              </a:extLst>
+            </p:cNvPr>
+            <p:cNvGrpSpPr/>
+            <p:nvPr/>
+          </p:nvGrpSpPr>
+          <p:grpSpPr>
+            <a:xfrm>
+              <a:off x="5269750" y="1550249"/>
+              <a:ext cx="1210785" cy="1274521"/>
+              <a:chOff x="4319032" y="3033136"/>
+              <a:chExt cx="1210785" cy="1274521"/>
+            </a:xfrm>
+          </p:grpSpPr>
+          <p:pic>
+            <p:nvPicPr>
+              <p:cNvPr id="168" name="Graphic 167">
+                <a:extLst>
+                  <a:ext uri="{FF2B5EF4-FFF2-40B4-BE49-F238E27FC236}">
+                    <a16:creationId xmlns:a16="http://schemas.microsoft.com/office/drawing/2014/main" id="{2781A7B2-05C6-4857-9571-F9AAEE0D1D1A}"/>
+                  </a:ext>
+                </a:extLst>
+              </p:cNvPr>
+              <p:cNvPicPr>
+                <a:picLocks noChangeAspect="1"/>
+              </p:cNvPicPr>
+              <p:nvPr/>
+            </p:nvPicPr>
+            <p:blipFill>
+              <a:blip r:embed="rId4">
+                <a:extLst>
+                  <a:ext uri="{28A0092B-C50C-407E-A947-70E740481C1C}">
+                    <a14:useLocalDpi xmlns:a14="http://schemas.microsoft.com/office/drawing/2010/main" val="0"/>
+                  </a:ext>
+                </a:extLst>
+              </a:blip>
+              <a:stretch>
+                <a:fillRect/>
+              </a:stretch>
+            </p:blipFill>
+            <p:spPr>
+              <a:xfrm>
+                <a:off x="4686300" y="3033136"/>
+                <a:ext cx="476250" cy="360967"/>
+              </a:xfrm>
+              <a:prstGeom prst="rect">
+                <a:avLst/>
+              </a:prstGeom>
+            </p:spPr>
+          </p:pic>
+          <p:sp>
+            <p:nvSpPr>
+              <p:cNvPr id="169" name="TextBox 168">
+                <a:extLst>
+                  <a:ext uri="{FF2B5EF4-FFF2-40B4-BE49-F238E27FC236}">
+                    <a16:creationId xmlns:a16="http://schemas.microsoft.com/office/drawing/2014/main" id="{B829A4AA-2F99-4138-87C2-E1F1805A06D8}"/>
+                  </a:ext>
+                </a:extLst>
+              </p:cNvPr>
+              <p:cNvSpPr txBox="1"/>
+              <p:nvPr/>
+            </p:nvSpPr>
+            <p:spPr>
+              <a:xfrm>
+                <a:off x="4319032" y="3476660"/>
+                <a:ext cx="1210785" cy="830997"/>
+              </a:xfrm>
+              <a:prstGeom prst="rect">
+                <a:avLst/>
+              </a:prstGeom>
+              <a:noFill/>
+            </p:spPr>
+            <p:txBody>
+              <a:bodyPr wrap="square" rtlCol="0">
+                <a:spAutoFit/>
+              </a:bodyPr>
+              <a:lstStyle/>
+              <a:p>
+                <a:pPr algn="ctr"/>
+                <a:r>
+                  <a:rPr lang="en-US" sz="1400" dirty="0"/>
+                  <a:t>Azure Notebooks</a:t>
+                </a:r>
+                <a:endParaRPr lang="en-US" sz="1100" dirty="0"/>
+              </a:p>
+              <a:p>
+                <a:pPr algn="ctr"/>
+                <a:r>
+                  <a:rPr lang="en-US" sz="1000" dirty="0"/>
+                  <a:t>ML Pipeline, Train, Eval Scripts</a:t>
+                </a:r>
+              </a:p>
+            </p:txBody>
+          </p:sp>
+        </p:grpSp>
+      </p:grpSp>
+      <p:grpSp>
+        <p:nvGrpSpPr>
+          <p:cNvPr id="212" name="Group 211">
+            <a:extLst>
+              <a:ext uri="{FF2B5EF4-FFF2-40B4-BE49-F238E27FC236}">
+                <a16:creationId xmlns:a16="http://schemas.microsoft.com/office/drawing/2014/main" id="{1D5A5A00-2FC0-4302-B513-C499907C4C2D}"/>
+              </a:ext>
+            </a:extLst>
+          </p:cNvPr>
+          <p:cNvGrpSpPr/>
+          <p:nvPr/>
+        </p:nvGrpSpPr>
+        <p:grpSpPr>
+          <a:xfrm>
+            <a:off x="5579310" y="4239440"/>
+            <a:ext cx="1210785" cy="1386582"/>
+            <a:chOff x="5269750" y="1438188"/>
+            <a:chExt cx="1210785" cy="1386582"/>
+          </a:xfrm>
+        </p:grpSpPr>
+        <p:sp>
+          <p:nvSpPr>
+            <p:cNvPr id="213" name="Rectangle: Rounded Corners 212">
+              <a:extLst>
+                <a:ext uri="{FF2B5EF4-FFF2-40B4-BE49-F238E27FC236}">
+                  <a16:creationId xmlns:a16="http://schemas.microsoft.com/office/drawing/2014/main" id="{0B9CD5F5-AB82-4C14-8CDD-EF0189A3112E}"/>
+                </a:ext>
+              </a:extLst>
+            </p:cNvPr>
+            <p:cNvSpPr/>
+            <p:nvPr/>
+          </p:nvSpPr>
+          <p:spPr>
+            <a:xfrm>
+              <a:off x="5269750" y="1438188"/>
+              <a:ext cx="1210785" cy="1384525"/>
+            </a:xfrm>
+            <a:prstGeom prst="roundRect">
+              <a:avLst>
+                <a:gd name="adj" fmla="val 6590"/>
+              </a:avLst>
+            </a:prstGeom>
+            <a:solidFill>
+              <a:schemeClr val="bg1"/>
+            </a:solidFill>
+          </p:spPr>
+          <p:style>
+            <a:lnRef idx="2">
+              <a:schemeClr val="accent1">
+                <a:shade val="50000"/>
+              </a:schemeClr>
+            </a:lnRef>
+            <a:fillRef idx="1">
+              <a:schemeClr val="accent1"/>
+            </a:fillRef>
+            <a:effectRef idx="0">
+              <a:schemeClr val="accent1"/>
+            </a:effectRef>
+            <a:fontRef idx="minor">
+              <a:schemeClr val="lt1"/>
+            </a:fontRef>
+          </p:style>
+          <p:txBody>
+            <a:bodyPr rtlCol="0" anchor="ctr"/>
+            <a:lstStyle/>
+            <a:p>
+              <a:pPr algn="ctr"/>
+              <a:endParaRPr lang="en-US"/>
+            </a:p>
+          </p:txBody>
+        </p:sp>
+        <p:grpSp>
+          <p:nvGrpSpPr>
+            <p:cNvPr id="214" name="Group 213">
+              <a:extLst>
+                <a:ext uri="{FF2B5EF4-FFF2-40B4-BE49-F238E27FC236}">
+                  <a16:creationId xmlns:a16="http://schemas.microsoft.com/office/drawing/2014/main" id="{4A65DD7F-E7C1-4463-A987-442ABA76E619}"/>
+                </a:ext>
+              </a:extLst>
+            </p:cNvPr>
+            <p:cNvGrpSpPr/>
+            <p:nvPr/>
+          </p:nvGrpSpPr>
+          <p:grpSpPr>
+            <a:xfrm>
+              <a:off x="5269750" y="1492608"/>
+              <a:ext cx="1210785" cy="1332162"/>
+              <a:chOff x="4319032" y="2975495"/>
+              <a:chExt cx="1210785" cy="1332162"/>
+            </a:xfrm>
+          </p:grpSpPr>
+          <p:pic>
+            <p:nvPicPr>
+              <p:cNvPr id="215" name="Graphic 214">
+                <a:extLst>
+                  <a:ext uri="{FF2B5EF4-FFF2-40B4-BE49-F238E27FC236}">
+                    <a16:creationId xmlns:a16="http://schemas.microsoft.com/office/drawing/2014/main" id="{0C427F80-A4A0-4B2C-8201-09A480036AAB}"/>
+                  </a:ext>
+                </a:extLst>
+              </p:cNvPr>
+              <p:cNvPicPr>
+                <a:picLocks noChangeAspect="1"/>
+              </p:cNvPicPr>
+              <p:nvPr/>
+            </p:nvPicPr>
+            <p:blipFill>
+              <a:blip r:embed="rId5">
+                <a:extLst>
+                  <a:ext uri="{28A0092B-C50C-407E-A947-70E740481C1C}">
+                    <a14:useLocalDpi xmlns:a14="http://schemas.microsoft.com/office/drawing/2010/main" val="0"/>
+                  </a:ext>
+                  <a:ext uri="{96DAC541-7B7A-43D3-8B79-37D633B846F1}">
+                    <asvg:svgBlip xmlns:asvg="http://schemas.microsoft.com/office/drawing/2016/SVG/main" r:embed="rId6"/>
+                  </a:ext>
+                </a:extLst>
+              </a:blip>
+              <a:stretch>
+                <a:fillRect/>
+              </a:stretch>
+            </p:blipFill>
+            <p:spPr>
+              <a:xfrm>
+                <a:off x="4686300" y="2975495"/>
+                <a:ext cx="476250" cy="476250"/>
+              </a:xfrm>
+              <a:prstGeom prst="rect">
+                <a:avLst/>
+              </a:prstGeom>
+            </p:spPr>
+          </p:pic>
+          <p:sp>
+            <p:nvSpPr>
+              <p:cNvPr id="216" name="TextBox 215">
+                <a:extLst>
+                  <a:ext uri="{FF2B5EF4-FFF2-40B4-BE49-F238E27FC236}">
+                    <a16:creationId xmlns:a16="http://schemas.microsoft.com/office/drawing/2014/main" id="{79770C35-9B82-48CE-9A97-E4AC930CDFFD}"/>
+                  </a:ext>
+                </a:extLst>
+              </p:cNvPr>
+              <p:cNvSpPr txBox="1"/>
+              <p:nvPr/>
+            </p:nvSpPr>
+            <p:spPr>
+              <a:xfrm>
+                <a:off x="4319032" y="3476660"/>
+                <a:ext cx="1210785" cy="830997"/>
+              </a:xfrm>
+              <a:prstGeom prst="rect">
+                <a:avLst/>
+              </a:prstGeom>
+              <a:noFill/>
+            </p:spPr>
+            <p:txBody>
+              <a:bodyPr wrap="square" rtlCol="0">
+                <a:spAutoFit/>
+              </a:bodyPr>
+              <a:lstStyle/>
+              <a:p>
+                <a:pPr algn="ctr"/>
+                <a:r>
+                  <a:rPr lang="en-US" sz="1400" dirty="0"/>
+                  <a:t>Container Registry</a:t>
+                </a:r>
+                <a:endParaRPr lang="en-US" sz="1100" dirty="0"/>
+              </a:p>
+              <a:p>
+                <a:pPr algn="ctr"/>
+                <a:r>
+                  <a:rPr lang="en-US" sz="1000" dirty="0"/>
+                  <a:t>Web service container image</a:t>
+                </a:r>
+              </a:p>
+            </p:txBody>
+          </p:sp>
+        </p:grpSp>
+      </p:grpSp>
+      <p:sp>
+        <p:nvSpPr>
+          <p:cNvPr id="222" name="Rectangle: Rounded Corners 221">
+            <a:extLst>
+              <a:ext uri="{FF2B5EF4-FFF2-40B4-BE49-F238E27FC236}">
+                <a16:creationId xmlns:a16="http://schemas.microsoft.com/office/drawing/2014/main" id="{666BA6F8-C1E4-4490-A5F6-D10A3960AB29}"/>
+              </a:ext>
+            </a:extLst>
+          </p:cNvPr>
+          <p:cNvSpPr/>
+          <p:nvPr/>
+        </p:nvSpPr>
+        <p:spPr>
+          <a:xfrm>
+            <a:off x="7878732" y="4703342"/>
+            <a:ext cx="1293684" cy="1880006"/>
+          </a:xfrm>
+          <a:prstGeom prst="roundRect">
+            <a:avLst>
+              <a:gd name="adj" fmla="val 6590"/>
+            </a:avLst>
+          </a:prstGeom>
+          <a:solidFill>
+            <a:schemeClr val="bg1"/>
+          </a:solidFill>
+        </p:spPr>
+        <p:style>
+          <a:lnRef idx="2">
+            <a:schemeClr val="accent1">
+              <a:shade val="50000"/>
+            </a:schemeClr>
+          </a:lnRef>
+          <a:fillRef idx="1">
+            <a:schemeClr val="accent1"/>
+          </a:fillRef>
+          <a:effectRef idx="0">
+            <a:schemeClr val="accent1"/>
+          </a:effectRef>
+          <a:fontRef idx="minor">
+            <a:schemeClr val="lt1"/>
+          </a:fontRef>
+        </p:style>
+        <p:txBody>
+          <a:bodyPr rtlCol="0" anchor="ctr"/>
+          <a:lstStyle/>
+          <a:p>
+            <a:pPr algn="ctr"/>
+            <a:endParaRPr lang="en-US"/>
+          </a:p>
+        </p:txBody>
+      </p:sp>
+      <p:grpSp>
+        <p:nvGrpSpPr>
+          <p:cNvPr id="223" name="Group 222">
+            <a:extLst>
+              <a:ext uri="{FF2B5EF4-FFF2-40B4-BE49-F238E27FC236}">
+                <a16:creationId xmlns:a16="http://schemas.microsoft.com/office/drawing/2014/main" id="{368ADCAC-2B63-4A08-B229-7E1AB1076ED3}"/>
+              </a:ext>
+            </a:extLst>
+          </p:cNvPr>
+          <p:cNvGrpSpPr/>
+          <p:nvPr/>
+        </p:nvGrpSpPr>
+        <p:grpSpPr>
+          <a:xfrm>
+            <a:off x="7920798" y="4666639"/>
+            <a:ext cx="1436572" cy="677108"/>
+            <a:chOff x="4394751" y="2931613"/>
+            <a:chExt cx="1436572" cy="677108"/>
+          </a:xfrm>
+        </p:grpSpPr>
+        <p:pic>
+          <p:nvPicPr>
+            <p:cNvPr id="229" name="Graphic 228">
+              <a:extLst>
+                <a:ext uri="{FF2B5EF4-FFF2-40B4-BE49-F238E27FC236}">
+                  <a16:creationId xmlns:a16="http://schemas.microsoft.com/office/drawing/2014/main" id="{DB8C5B52-D6F6-4771-948A-C5236CA264BA}"/>
+                </a:ext>
+              </a:extLst>
+            </p:cNvPr>
+            <p:cNvPicPr>
+              <a:picLocks noChangeAspect="1"/>
+            </p:cNvPicPr>
+            <p:nvPr/>
+          </p:nvPicPr>
+          <p:blipFill>
+            <a:blip r:embed="rId7">
+              <a:extLst>
+                <a:ext uri="{28A0092B-C50C-407E-A947-70E740481C1C}">
+                  <a14:useLocalDpi xmlns:a14="http://schemas.microsoft.com/office/drawing/2010/main" val="0"/>
+                </a:ext>
+                <a:ext uri="{96DAC541-7B7A-43D3-8B79-37D633B846F1}">
+                  <asvg:svgBlip xmlns:asvg="http://schemas.microsoft.com/office/drawing/2016/SVG/main" r:embed="rId8"/>
+                </a:ext>
+              </a:extLst>
+            </a:blip>
+            <a:stretch>
+              <a:fillRect/>
+            </a:stretch>
+          </p:blipFill>
+          <p:spPr>
+            <a:xfrm>
+              <a:off x="4394751" y="2975495"/>
+              <a:ext cx="476250" cy="476250"/>
+            </a:xfrm>
+            <a:prstGeom prst="rect">
+              <a:avLst/>
+            </a:prstGeom>
+          </p:spPr>
+        </p:pic>
+        <p:sp>
+          <p:nvSpPr>
+            <p:cNvPr id="230" name="TextBox 229">
+              <a:extLst>
+                <a:ext uri="{FF2B5EF4-FFF2-40B4-BE49-F238E27FC236}">
+                  <a16:creationId xmlns:a16="http://schemas.microsoft.com/office/drawing/2014/main" id="{FF8DFFDC-67F2-4B64-942B-59C3AF497E63}"/>
+                </a:ext>
+              </a:extLst>
+            </p:cNvPr>
+            <p:cNvSpPr txBox="1"/>
+            <p:nvPr/>
+          </p:nvSpPr>
+          <p:spPr>
+            <a:xfrm>
+              <a:off x="4840674" y="2931613"/>
+              <a:ext cx="990649" cy="677108"/>
+            </a:xfrm>
+            <a:prstGeom prst="rect">
+              <a:avLst/>
+            </a:prstGeom>
+            <a:noFill/>
+          </p:spPr>
+          <p:txBody>
+            <a:bodyPr wrap="square" rtlCol="0">
+              <a:spAutoFit/>
+            </a:bodyPr>
+            <a:lstStyle/>
+            <a:p>
+              <a:r>
+                <a:rPr lang="en-US" sz="1400" b="1" dirty="0"/>
+                <a:t>AKS Cluster</a:t>
+              </a:r>
+              <a:endParaRPr lang="en-US" sz="1100" b="1" dirty="0"/>
+            </a:p>
+            <a:p>
+              <a:endParaRPr lang="en-US" sz="1000" dirty="0"/>
+            </a:p>
+          </p:txBody>
+        </p:sp>
+      </p:grpSp>
+      <p:grpSp>
+        <p:nvGrpSpPr>
+          <p:cNvPr id="224" name="Group 223">
+            <a:extLst>
+              <a:ext uri="{FF2B5EF4-FFF2-40B4-BE49-F238E27FC236}">
+                <a16:creationId xmlns:a16="http://schemas.microsoft.com/office/drawing/2014/main" id="{ADC166DD-758B-4A9E-BAD9-295A8FD697B0}"/>
+              </a:ext>
+            </a:extLst>
+          </p:cNvPr>
+          <p:cNvGrpSpPr/>
+          <p:nvPr/>
+        </p:nvGrpSpPr>
+        <p:grpSpPr>
+          <a:xfrm>
+            <a:off x="7915920" y="5198823"/>
+            <a:ext cx="1210785" cy="1386582"/>
+            <a:chOff x="5269750" y="1438188"/>
+            <a:chExt cx="1210785" cy="1386582"/>
+          </a:xfrm>
+        </p:grpSpPr>
+        <p:sp>
+          <p:nvSpPr>
+            <p:cNvPr id="225" name="Rectangle: Rounded Corners 224">
+              <a:extLst>
+                <a:ext uri="{FF2B5EF4-FFF2-40B4-BE49-F238E27FC236}">
+                  <a16:creationId xmlns:a16="http://schemas.microsoft.com/office/drawing/2014/main" id="{6D7562C4-CB5D-4D0E-BD27-369B8D944BFF}"/>
+                </a:ext>
+              </a:extLst>
+            </p:cNvPr>
+            <p:cNvSpPr/>
+            <p:nvPr/>
+          </p:nvSpPr>
+          <p:spPr>
+            <a:xfrm>
+              <a:off x="5269750" y="1438188"/>
+              <a:ext cx="1210785" cy="1384525"/>
+            </a:xfrm>
+            <a:prstGeom prst="roundRect">
+              <a:avLst>
+                <a:gd name="adj" fmla="val 6590"/>
+              </a:avLst>
+            </a:prstGeom>
+            <a:solidFill>
+              <a:schemeClr val="bg1"/>
+            </a:solidFill>
+            <a:ln>
+              <a:noFill/>
+            </a:ln>
+          </p:spPr>
+          <p:style>
+            <a:lnRef idx="2">
+              <a:schemeClr val="accent1">
+                <a:shade val="50000"/>
+              </a:schemeClr>
+            </a:lnRef>
+            <a:fillRef idx="1">
+              <a:schemeClr val="accent1"/>
+            </a:fillRef>
+            <a:effectRef idx="0">
+              <a:schemeClr val="accent1"/>
+            </a:effectRef>
+            <a:fontRef idx="minor">
+              <a:schemeClr val="lt1"/>
+            </a:fontRef>
+          </p:style>
+          <p:txBody>
+            <a:bodyPr rtlCol="0" anchor="ctr"/>
+            <a:lstStyle/>
+            <a:p>
+              <a:pPr algn="ctr"/>
+              <a:endParaRPr lang="en-US"/>
+            </a:p>
+          </p:txBody>
+        </p:sp>
+        <p:grpSp>
+          <p:nvGrpSpPr>
+            <p:cNvPr id="226" name="Group 225">
+              <a:extLst>
+                <a:ext uri="{FF2B5EF4-FFF2-40B4-BE49-F238E27FC236}">
+                  <a16:creationId xmlns:a16="http://schemas.microsoft.com/office/drawing/2014/main" id="{C3B7E9B2-4A28-4CB9-A77D-B6E2069CCE14}"/>
+                </a:ext>
+              </a:extLst>
+            </p:cNvPr>
+            <p:cNvGrpSpPr/>
+            <p:nvPr/>
+          </p:nvGrpSpPr>
+          <p:grpSpPr>
+            <a:xfrm>
+              <a:off x="5269750" y="1492608"/>
+              <a:ext cx="1210785" cy="1332162"/>
+              <a:chOff x="4319032" y="2975495"/>
+              <a:chExt cx="1210785" cy="1332162"/>
+            </a:xfrm>
+          </p:grpSpPr>
+          <p:pic>
+            <p:nvPicPr>
+              <p:cNvPr id="227" name="Graphic 226">
+                <a:extLst>
+                  <a:ext uri="{FF2B5EF4-FFF2-40B4-BE49-F238E27FC236}">
+                    <a16:creationId xmlns:a16="http://schemas.microsoft.com/office/drawing/2014/main" id="{91BFEAFA-BB61-413C-B25A-C6F9820297C2}"/>
+                  </a:ext>
+                </a:extLst>
+              </p:cNvPr>
+              <p:cNvPicPr>
+                <a:picLocks noChangeAspect="1"/>
+              </p:cNvPicPr>
+              <p:nvPr/>
+            </p:nvPicPr>
+            <p:blipFill>
+              <a:blip r:embed="rId2">
+                <a:extLst>
+                  <a:ext uri="{28A0092B-C50C-407E-A947-70E740481C1C}">
+                    <a14:useLocalDpi xmlns:a14="http://schemas.microsoft.com/office/drawing/2010/main" val="0"/>
+                  </a:ext>
+                  <a:ext uri="{96DAC541-7B7A-43D3-8B79-37D633B846F1}">
+                    <asvg:svgBlip xmlns:asvg="http://schemas.microsoft.com/office/drawing/2016/SVG/main" r:embed="rId3"/>
+                  </a:ext>
+                </a:extLst>
+              </a:blip>
+              <a:stretch>
+                <a:fillRect/>
+              </a:stretch>
+            </p:blipFill>
+            <p:spPr>
+              <a:xfrm>
+                <a:off x="4703276" y="2975495"/>
+                <a:ext cx="442298" cy="476250"/>
+              </a:xfrm>
+              <a:prstGeom prst="rect">
+                <a:avLst/>
+              </a:prstGeom>
+            </p:spPr>
+          </p:pic>
+          <p:sp>
+            <p:nvSpPr>
+              <p:cNvPr id="228" name="TextBox 227">
+                <a:extLst>
+                  <a:ext uri="{FF2B5EF4-FFF2-40B4-BE49-F238E27FC236}">
+                    <a16:creationId xmlns:a16="http://schemas.microsoft.com/office/drawing/2014/main" id="{B5E9C36D-904B-4F9D-85DA-B9AF7A93E6FF}"/>
+                  </a:ext>
+                </a:extLst>
+              </p:cNvPr>
+              <p:cNvSpPr txBox="1"/>
+              <p:nvPr/>
+            </p:nvSpPr>
+            <p:spPr>
+              <a:xfrm>
+                <a:off x="4319032" y="3476660"/>
+                <a:ext cx="1210785" cy="830997"/>
+              </a:xfrm>
+              <a:prstGeom prst="rect">
+                <a:avLst/>
+              </a:prstGeom>
+              <a:noFill/>
+            </p:spPr>
+            <p:txBody>
+              <a:bodyPr wrap="square" rtlCol="0">
+                <a:spAutoFit/>
+              </a:bodyPr>
+              <a:lstStyle/>
+              <a:p>
+                <a:pPr algn="ctr"/>
+                <a:r>
+                  <a:rPr lang="en-US" sz="1400" dirty="0"/>
+                  <a:t>Scoring Web Service</a:t>
+                </a:r>
+                <a:endParaRPr lang="en-US" sz="1100" dirty="0"/>
+              </a:p>
+              <a:p>
+                <a:pPr algn="ctr"/>
+                <a:r>
+                  <a:rPr lang="en-US" sz="1000" dirty="0"/>
+                  <a:t>Model deployed in web service</a:t>
+                </a:r>
+              </a:p>
+            </p:txBody>
+          </p:sp>
+        </p:grpSp>
+      </p:grpSp>
+      <p:grpSp>
+        <p:nvGrpSpPr>
+          <p:cNvPr id="275" name="Group 274">
+            <a:extLst>
+              <a:ext uri="{FF2B5EF4-FFF2-40B4-BE49-F238E27FC236}">
+                <a16:creationId xmlns:a16="http://schemas.microsoft.com/office/drawing/2014/main" id="{AC43A883-CAAC-45F9-848D-6FAAE2107438}"/>
+              </a:ext>
+            </a:extLst>
+          </p:cNvPr>
+          <p:cNvGrpSpPr/>
+          <p:nvPr/>
+        </p:nvGrpSpPr>
+        <p:grpSpPr>
+          <a:xfrm>
+            <a:off x="940889" y="1575606"/>
+            <a:ext cx="1210785" cy="1386582"/>
+            <a:chOff x="5269750" y="1438188"/>
+            <a:chExt cx="1210785" cy="1386582"/>
+          </a:xfrm>
+        </p:grpSpPr>
+        <p:sp>
+          <p:nvSpPr>
+            <p:cNvPr id="276" name="Rectangle: Rounded Corners 275">
+              <a:extLst>
+                <a:ext uri="{FF2B5EF4-FFF2-40B4-BE49-F238E27FC236}">
+                  <a16:creationId xmlns:a16="http://schemas.microsoft.com/office/drawing/2014/main" id="{8088CCB9-69EC-4D18-A678-7F08D894521E}"/>
+                </a:ext>
+              </a:extLst>
+            </p:cNvPr>
+            <p:cNvSpPr/>
+            <p:nvPr/>
+          </p:nvSpPr>
+          <p:spPr>
+            <a:xfrm>
+              <a:off x="5269750" y="1438188"/>
+              <a:ext cx="1210785" cy="1384525"/>
+            </a:xfrm>
+            <a:prstGeom prst="roundRect">
+              <a:avLst>
+                <a:gd name="adj" fmla="val 6590"/>
+              </a:avLst>
+            </a:prstGeom>
+            <a:solidFill>
+              <a:schemeClr val="bg1"/>
+            </a:solidFill>
+          </p:spPr>
+          <p:style>
+            <a:lnRef idx="2">
+              <a:schemeClr val="accent1">
+                <a:shade val="50000"/>
+              </a:schemeClr>
+            </a:lnRef>
+            <a:fillRef idx="1">
+              <a:schemeClr val="accent1"/>
+            </a:fillRef>
+            <a:effectRef idx="0">
+              <a:schemeClr val="accent1"/>
+            </a:effectRef>
+            <a:fontRef idx="minor">
+              <a:schemeClr val="lt1"/>
+            </a:fontRef>
+          </p:style>
+          <p:txBody>
+            <a:bodyPr rtlCol="0" anchor="ctr"/>
+            <a:lstStyle/>
+            <a:p>
+              <a:pPr algn="ctr"/>
+              <a:endParaRPr lang="en-US"/>
+            </a:p>
+          </p:txBody>
+        </p:sp>
+        <p:grpSp>
+          <p:nvGrpSpPr>
+            <p:cNvPr id="277" name="Group 276">
+              <a:extLst>
+                <a:ext uri="{FF2B5EF4-FFF2-40B4-BE49-F238E27FC236}">
+                  <a16:creationId xmlns:a16="http://schemas.microsoft.com/office/drawing/2014/main" id="{BEAEA205-6600-4732-A36A-96E2C69E025D}"/>
+                </a:ext>
+              </a:extLst>
+            </p:cNvPr>
+            <p:cNvGrpSpPr/>
+            <p:nvPr/>
+          </p:nvGrpSpPr>
+          <p:grpSpPr>
+            <a:xfrm>
+              <a:off x="5269750" y="1534808"/>
+              <a:ext cx="1210785" cy="1289962"/>
+              <a:chOff x="4319032" y="3017695"/>
+              <a:chExt cx="1210785" cy="1289962"/>
+            </a:xfrm>
+          </p:grpSpPr>
+          <p:pic>
+            <p:nvPicPr>
+              <p:cNvPr id="278" name="Graphic 277">
+                <a:extLst>
+                  <a:ext uri="{FF2B5EF4-FFF2-40B4-BE49-F238E27FC236}">
+                    <a16:creationId xmlns:a16="http://schemas.microsoft.com/office/drawing/2014/main" id="{DBFC7CD4-4FA0-4040-98D0-F8972D3764AF}"/>
+                  </a:ext>
+                </a:extLst>
+              </p:cNvPr>
+              <p:cNvPicPr>
+                <a:picLocks noChangeAspect="1"/>
+              </p:cNvPicPr>
+              <p:nvPr/>
+            </p:nvPicPr>
+            <p:blipFill>
+              <a:blip r:embed="rId9">
+                <a:extLst>
+                  <a:ext uri="{28A0092B-C50C-407E-A947-70E740481C1C}">
+                    <a14:useLocalDpi xmlns:a14="http://schemas.microsoft.com/office/drawing/2010/main" val="0"/>
+                  </a:ext>
+                  <a:ext uri="{96DAC541-7B7A-43D3-8B79-37D633B846F1}">
+                    <asvg:svgBlip xmlns:asvg="http://schemas.microsoft.com/office/drawing/2016/SVG/main" r:embed="rId10"/>
+                  </a:ext>
+                </a:extLst>
+              </a:blip>
+              <a:stretch>
+                <a:fillRect/>
+              </a:stretch>
+            </p:blipFill>
+            <p:spPr>
+              <a:xfrm>
+                <a:off x="4728500" y="3017695"/>
+                <a:ext cx="391850" cy="391850"/>
+              </a:xfrm>
+              <a:prstGeom prst="rect">
+                <a:avLst/>
+              </a:prstGeom>
+            </p:spPr>
+          </p:pic>
+          <p:sp>
+            <p:nvSpPr>
+              <p:cNvPr id="279" name="TextBox 278">
+                <a:extLst>
+                  <a:ext uri="{FF2B5EF4-FFF2-40B4-BE49-F238E27FC236}">
+                    <a16:creationId xmlns:a16="http://schemas.microsoft.com/office/drawing/2014/main" id="{45E3C120-39DF-45D0-A096-ED94D02E6E2C}"/>
+                  </a:ext>
+                </a:extLst>
+              </p:cNvPr>
+              <p:cNvSpPr txBox="1"/>
+              <p:nvPr/>
+            </p:nvSpPr>
+            <p:spPr>
+              <a:xfrm>
+                <a:off x="4319032" y="3476660"/>
+                <a:ext cx="1210785" cy="830997"/>
+              </a:xfrm>
+              <a:prstGeom prst="rect">
+                <a:avLst/>
+              </a:prstGeom>
+              <a:noFill/>
+            </p:spPr>
+            <p:txBody>
+              <a:bodyPr wrap="square" rtlCol="0">
+                <a:spAutoFit/>
+              </a:bodyPr>
+              <a:lstStyle/>
+              <a:p>
+                <a:pPr algn="ctr"/>
+                <a:r>
+                  <a:rPr lang="en-US" sz="1400" dirty="0"/>
+                  <a:t>Azure DevOps Repo</a:t>
+                </a:r>
+                <a:endParaRPr lang="en-US" sz="1100" dirty="0"/>
+              </a:p>
+              <a:p>
+                <a:pPr algn="ctr"/>
+                <a:r>
+                  <a:rPr lang="en-US" sz="1000" dirty="0"/>
+                  <a:t>Version control project artifacts</a:t>
+                </a:r>
+              </a:p>
+            </p:txBody>
+          </p:sp>
+        </p:grpSp>
+      </p:grpSp>
+      <p:grpSp>
+        <p:nvGrpSpPr>
+          <p:cNvPr id="298" name="Group 297">
+            <a:extLst>
+              <a:ext uri="{FF2B5EF4-FFF2-40B4-BE49-F238E27FC236}">
+                <a16:creationId xmlns:a16="http://schemas.microsoft.com/office/drawing/2014/main" id="{997CDF82-EE79-4510-BD5F-0F11CF90E0EF}"/>
+              </a:ext>
+            </a:extLst>
+          </p:cNvPr>
+          <p:cNvGrpSpPr/>
+          <p:nvPr/>
+        </p:nvGrpSpPr>
+        <p:grpSpPr>
+          <a:xfrm>
+            <a:off x="412284" y="4345826"/>
+            <a:ext cx="3255759" cy="2291084"/>
+            <a:chOff x="3230386" y="4566916"/>
+            <a:chExt cx="3255759" cy="2291084"/>
+          </a:xfrm>
+        </p:grpSpPr>
+        <p:sp>
+          <p:nvSpPr>
+            <p:cNvPr id="296" name="Rectangle 295">
+              <a:extLst>
+                <a:ext uri="{FF2B5EF4-FFF2-40B4-BE49-F238E27FC236}">
+                  <a16:creationId xmlns:a16="http://schemas.microsoft.com/office/drawing/2014/main" id="{9E2DA246-505C-46ED-9E63-92AFC4A3D246}"/>
+                </a:ext>
+              </a:extLst>
+            </p:cNvPr>
+            <p:cNvSpPr/>
+            <p:nvPr/>
+          </p:nvSpPr>
+          <p:spPr>
+            <a:xfrm>
+              <a:off x="3333440" y="4948125"/>
+              <a:ext cx="3152705" cy="1909875"/>
+            </a:xfrm>
+            <a:prstGeom prst="rect">
+              <a:avLst/>
+            </a:prstGeom>
+            <a:solidFill>
+              <a:schemeClr val="tx2">
+                <a:lumMod val="20000"/>
+                <a:lumOff val="80000"/>
+              </a:schemeClr>
+            </a:solidFill>
+            <a:ln>
+              <a:solidFill>
+                <a:schemeClr val="accent1">
+                  <a:lumMod val="20000"/>
+                  <a:lumOff val="80000"/>
+                </a:schemeClr>
+              </a:solidFill>
+            </a:ln>
+          </p:spPr>
+          <p:style>
+            <a:lnRef idx="2">
+              <a:schemeClr val="accent1">
+                <a:shade val="50000"/>
+              </a:schemeClr>
+            </a:lnRef>
+            <a:fillRef idx="1">
+              <a:schemeClr val="accent1"/>
+            </a:fillRef>
+            <a:effectRef idx="0">
+              <a:schemeClr val="accent1"/>
+            </a:effectRef>
+            <a:fontRef idx="minor">
+              <a:schemeClr val="lt1"/>
+            </a:fontRef>
+          </p:style>
+          <p:txBody>
+            <a:bodyPr rtlCol="0" anchor="ctr"/>
+            <a:lstStyle/>
+            <a:p>
+              <a:pPr algn="ctr"/>
+              <a:endParaRPr lang="en-US"/>
+            </a:p>
+          </p:txBody>
+        </p:sp>
+        <p:grpSp>
+          <p:nvGrpSpPr>
+            <p:cNvPr id="282" name="Group 281">
+              <a:extLst>
+                <a:ext uri="{FF2B5EF4-FFF2-40B4-BE49-F238E27FC236}">
+                  <a16:creationId xmlns:a16="http://schemas.microsoft.com/office/drawing/2014/main" id="{7277D694-93E6-417F-9BFC-1EA3CC428A0F}"/>
+                </a:ext>
+              </a:extLst>
+            </p:cNvPr>
+            <p:cNvGrpSpPr/>
+            <p:nvPr/>
+          </p:nvGrpSpPr>
+          <p:grpSpPr>
+            <a:xfrm>
+              <a:off x="3595135" y="5118774"/>
+              <a:ext cx="1210785" cy="1540470"/>
+              <a:chOff x="5269750" y="1438188"/>
+              <a:chExt cx="1210785" cy="1540470"/>
+            </a:xfrm>
+          </p:grpSpPr>
+          <p:sp>
+            <p:nvSpPr>
+              <p:cNvPr id="283" name="Rectangle: Rounded Corners 282">
+                <a:extLst>
+                  <a:ext uri="{FF2B5EF4-FFF2-40B4-BE49-F238E27FC236}">
+                    <a16:creationId xmlns:a16="http://schemas.microsoft.com/office/drawing/2014/main" id="{EE3DAB07-A889-4097-BF6E-A5D9AE7EFE09}"/>
+                  </a:ext>
+                </a:extLst>
+              </p:cNvPr>
+              <p:cNvSpPr/>
+              <p:nvPr/>
+            </p:nvSpPr>
+            <p:spPr>
+              <a:xfrm>
+                <a:off x="5269750" y="1438188"/>
+                <a:ext cx="1210785" cy="1540470"/>
+              </a:xfrm>
+              <a:prstGeom prst="roundRect">
+                <a:avLst>
+                  <a:gd name="adj" fmla="val 6590"/>
+                </a:avLst>
+              </a:prstGeom>
+              <a:solidFill>
+                <a:schemeClr val="bg1"/>
+              </a:solidFill>
+            </p:spPr>
+            <p:style>
+              <a:lnRef idx="2">
+                <a:schemeClr val="accent1">
+                  <a:shade val="50000"/>
+                </a:schemeClr>
+              </a:lnRef>
+              <a:fillRef idx="1">
+                <a:schemeClr val="accent1"/>
+              </a:fillRef>
+              <a:effectRef idx="0">
+                <a:schemeClr val="accent1"/>
+              </a:effectRef>
+              <a:fontRef idx="minor">
+                <a:schemeClr val="lt1"/>
+              </a:fontRef>
+            </p:style>
+            <p:txBody>
+              <a:bodyPr rtlCol="0" anchor="ctr"/>
+              <a:lstStyle/>
+              <a:p>
+                <a:pPr algn="ctr"/>
+                <a:endParaRPr lang="en-US"/>
+              </a:p>
+            </p:txBody>
+          </p:sp>
+          <p:grpSp>
+            <p:nvGrpSpPr>
+              <p:cNvPr id="284" name="Group 283">
+                <a:extLst>
+                  <a:ext uri="{FF2B5EF4-FFF2-40B4-BE49-F238E27FC236}">
+                    <a16:creationId xmlns:a16="http://schemas.microsoft.com/office/drawing/2014/main" id="{042F3829-23B3-4E26-89E3-FD2CCBFDC2AA}"/>
+                  </a:ext>
+                </a:extLst>
+              </p:cNvPr>
+              <p:cNvGrpSpPr/>
+              <p:nvPr/>
+            </p:nvGrpSpPr>
+            <p:grpSpPr>
+              <a:xfrm>
+                <a:off x="5269750" y="1492608"/>
+                <a:ext cx="1210785" cy="1486050"/>
+                <a:chOff x="4319032" y="2975495"/>
+                <a:chExt cx="1210785" cy="1486050"/>
+              </a:xfrm>
+            </p:grpSpPr>
+            <p:pic>
+              <p:nvPicPr>
+                <p:cNvPr id="285" name="Graphic 284">
+                  <a:extLst>
+                    <a:ext uri="{FF2B5EF4-FFF2-40B4-BE49-F238E27FC236}">
+                      <a16:creationId xmlns:a16="http://schemas.microsoft.com/office/drawing/2014/main" id="{F672E15C-F3C7-423E-956A-C3BC4F8CDBA3}"/>
+                    </a:ext>
+                  </a:extLst>
+                </p:cNvPr>
+                <p:cNvPicPr>
+                  <a:picLocks noChangeAspect="1"/>
+                </p:cNvPicPr>
+                <p:nvPr/>
+              </p:nvPicPr>
+              <p:blipFill>
+                <a:blip r:embed="rId11">
+                  <a:extLst>
+                    <a:ext uri="{28A0092B-C50C-407E-A947-70E740481C1C}">
+                      <a14:useLocalDpi xmlns:a14="http://schemas.microsoft.com/office/drawing/2010/main" val="0"/>
+                    </a:ext>
+                  </a:extLst>
+                </a:blip>
+                <a:stretch>
+                  <a:fillRect/>
+                </a:stretch>
+              </p:blipFill>
+              <p:spPr>
+                <a:xfrm>
+                  <a:off x="4688146" y="2975495"/>
+                  <a:ext cx="472558" cy="476250"/>
+                </a:xfrm>
+                <a:prstGeom prst="rect">
+                  <a:avLst/>
+                </a:prstGeom>
+              </p:spPr>
+            </p:pic>
+            <p:sp>
+              <p:nvSpPr>
+                <p:cNvPr id="286" name="TextBox 285">
+                  <a:extLst>
+                    <a:ext uri="{FF2B5EF4-FFF2-40B4-BE49-F238E27FC236}">
+                      <a16:creationId xmlns:a16="http://schemas.microsoft.com/office/drawing/2014/main" id="{848CE0E5-5F30-4DA6-898E-E98D09534B57}"/>
+                    </a:ext>
+                  </a:extLst>
+                </p:cNvPr>
+                <p:cNvSpPr txBox="1"/>
+                <p:nvPr/>
+              </p:nvSpPr>
+              <p:spPr>
+                <a:xfrm>
+                  <a:off x="4319032" y="3476660"/>
+                  <a:ext cx="1210785" cy="984885"/>
+                </a:xfrm>
+                <a:prstGeom prst="rect">
+                  <a:avLst/>
+                </a:prstGeom>
+                <a:noFill/>
+              </p:spPr>
+              <p:txBody>
+                <a:bodyPr wrap="square" rtlCol="0">
+                  <a:spAutoFit/>
+                </a:bodyPr>
+                <a:lstStyle/>
+                <a:p>
+                  <a:pPr algn="ctr"/>
+                  <a:r>
+                    <a:rPr lang="en-US" sz="1400" dirty="0"/>
+                    <a:t>Application Insights</a:t>
+                  </a:r>
+                  <a:endParaRPr lang="en-US" sz="1100" dirty="0"/>
+                </a:p>
+                <a:p>
+                  <a:pPr algn="ctr"/>
+                  <a:r>
+                    <a:rPr lang="en-US" sz="1000" dirty="0"/>
+                    <a:t>Collect &amp; monitor scoring service telemetry</a:t>
+                  </a:r>
+                </a:p>
+              </p:txBody>
+            </p:sp>
+          </p:grpSp>
+        </p:grpSp>
+        <p:grpSp>
+          <p:nvGrpSpPr>
+            <p:cNvPr id="289" name="Group 288">
+              <a:extLst>
+                <a:ext uri="{FF2B5EF4-FFF2-40B4-BE49-F238E27FC236}">
+                  <a16:creationId xmlns:a16="http://schemas.microsoft.com/office/drawing/2014/main" id="{76135A80-50D2-4F51-8E31-F81DC9FB52D2}"/>
+                </a:ext>
+              </a:extLst>
+            </p:cNvPr>
+            <p:cNvGrpSpPr/>
+            <p:nvPr/>
+          </p:nvGrpSpPr>
+          <p:grpSpPr>
+            <a:xfrm>
+              <a:off x="5029941" y="5118774"/>
+              <a:ext cx="1210785" cy="1540470"/>
+              <a:chOff x="5269750" y="1438188"/>
+              <a:chExt cx="1210785" cy="1540470"/>
+            </a:xfrm>
+          </p:grpSpPr>
+          <p:sp>
+            <p:nvSpPr>
+              <p:cNvPr id="290" name="Rectangle: Rounded Corners 289">
+                <a:extLst>
+                  <a:ext uri="{FF2B5EF4-FFF2-40B4-BE49-F238E27FC236}">
+                    <a16:creationId xmlns:a16="http://schemas.microsoft.com/office/drawing/2014/main" id="{131AD28E-0536-4D41-8AFB-F97F8444DEE3}"/>
+                  </a:ext>
+                </a:extLst>
+              </p:cNvPr>
+              <p:cNvSpPr/>
+              <p:nvPr/>
+            </p:nvSpPr>
+            <p:spPr>
+              <a:xfrm>
+                <a:off x="5269750" y="1438188"/>
+                <a:ext cx="1210785" cy="1540470"/>
+              </a:xfrm>
+              <a:prstGeom prst="roundRect">
+                <a:avLst>
+                  <a:gd name="adj" fmla="val 6590"/>
+                </a:avLst>
+              </a:prstGeom>
+              <a:solidFill>
+                <a:schemeClr val="bg1"/>
+              </a:solidFill>
+            </p:spPr>
+            <p:style>
+              <a:lnRef idx="2">
+                <a:schemeClr val="accent1">
+                  <a:shade val="50000"/>
+                </a:schemeClr>
+              </a:lnRef>
+              <a:fillRef idx="1">
+                <a:schemeClr val="accent1"/>
+              </a:fillRef>
+              <a:effectRef idx="0">
+                <a:schemeClr val="accent1"/>
+              </a:effectRef>
+              <a:fontRef idx="minor">
+                <a:schemeClr val="lt1"/>
+              </a:fontRef>
+            </p:style>
+            <p:txBody>
+              <a:bodyPr rtlCol="0" anchor="ctr"/>
+              <a:lstStyle/>
+              <a:p>
+                <a:pPr algn="ctr"/>
+                <a:endParaRPr lang="en-US"/>
+              </a:p>
+            </p:txBody>
+          </p:sp>
+          <p:grpSp>
+            <p:nvGrpSpPr>
+              <p:cNvPr id="291" name="Group 290">
+                <a:extLst>
+                  <a:ext uri="{FF2B5EF4-FFF2-40B4-BE49-F238E27FC236}">
+                    <a16:creationId xmlns:a16="http://schemas.microsoft.com/office/drawing/2014/main" id="{F6EE5C46-97AD-430A-895A-D4A78EBDC830}"/>
+                  </a:ext>
+                </a:extLst>
+              </p:cNvPr>
+              <p:cNvGrpSpPr/>
+              <p:nvPr/>
+            </p:nvGrpSpPr>
+            <p:grpSpPr>
+              <a:xfrm>
+                <a:off x="5269750" y="1492608"/>
+                <a:ext cx="1210785" cy="1270606"/>
+                <a:chOff x="4319032" y="2975495"/>
+                <a:chExt cx="1210785" cy="1270606"/>
+              </a:xfrm>
+            </p:grpSpPr>
+            <p:pic>
+              <p:nvPicPr>
+                <p:cNvPr id="292" name="Graphic 284">
+                  <a:extLst>
+                    <a:ext uri="{FF2B5EF4-FFF2-40B4-BE49-F238E27FC236}">
+                      <a16:creationId xmlns:a16="http://schemas.microsoft.com/office/drawing/2014/main" id="{49098910-A640-47F3-81D6-415ACE5CE183}"/>
+                    </a:ext>
+                  </a:extLst>
+                </p:cNvPr>
+                <p:cNvPicPr>
+                  <a:picLocks noChangeAspect="1"/>
+                </p:cNvPicPr>
+                <p:nvPr/>
+              </p:nvPicPr>
+              <p:blipFill>
+                <a:blip r:embed="rId12">
+                  <a:extLst>
+                    <a:ext uri="{28A0092B-C50C-407E-A947-70E740481C1C}">
+                      <a14:useLocalDpi xmlns:a14="http://schemas.microsoft.com/office/drawing/2010/main" val="0"/>
+                    </a:ext>
+                  </a:extLst>
+                </a:blip>
+                <a:stretch>
+                  <a:fillRect/>
+                </a:stretch>
+              </p:blipFill>
+              <p:spPr>
+                <a:xfrm>
+                  <a:off x="4688146" y="2975495"/>
+                  <a:ext cx="472558" cy="476249"/>
+                </a:xfrm>
+                <a:prstGeom prst="rect">
+                  <a:avLst/>
+                </a:prstGeom>
+              </p:spPr>
+            </p:pic>
+            <p:sp>
+              <p:nvSpPr>
+                <p:cNvPr id="293" name="TextBox 292">
+                  <a:extLst>
+                    <a:ext uri="{FF2B5EF4-FFF2-40B4-BE49-F238E27FC236}">
+                      <a16:creationId xmlns:a16="http://schemas.microsoft.com/office/drawing/2014/main" id="{4CE87072-ECA5-4885-ACC8-732C2BA285D9}"/>
+                    </a:ext>
+                  </a:extLst>
+                </p:cNvPr>
+                <p:cNvSpPr txBox="1"/>
+                <p:nvPr/>
+              </p:nvSpPr>
+              <p:spPr>
+                <a:xfrm>
+                  <a:off x="4319032" y="3476660"/>
+                  <a:ext cx="1210785" cy="769441"/>
+                </a:xfrm>
+                <a:prstGeom prst="rect">
+                  <a:avLst/>
+                </a:prstGeom>
+                <a:noFill/>
+              </p:spPr>
+              <p:txBody>
+                <a:bodyPr wrap="square" rtlCol="0">
+                  <a:spAutoFit/>
+                </a:bodyPr>
+                <a:lstStyle/>
+                <a:p>
+                  <a:pPr algn="ctr"/>
+                  <a:r>
+                    <a:rPr lang="en-US" sz="1400" dirty="0"/>
+                    <a:t>Azure Storage</a:t>
+                  </a:r>
+                  <a:endParaRPr lang="en-US" sz="1100" dirty="0"/>
+                </a:p>
+                <a:p>
+                  <a:pPr algn="ctr"/>
+                  <a:r>
+                    <a:rPr lang="en-US" sz="1000" dirty="0"/>
+                    <a:t>Collect scoring service model input and predictions</a:t>
+                  </a:r>
+                </a:p>
+              </p:txBody>
+            </p:sp>
+          </p:grpSp>
+        </p:grpSp>
+        <p:sp>
+          <p:nvSpPr>
+            <p:cNvPr id="297" name="TextBox 296">
+              <a:extLst>
+                <a:ext uri="{FF2B5EF4-FFF2-40B4-BE49-F238E27FC236}">
+                  <a16:creationId xmlns:a16="http://schemas.microsoft.com/office/drawing/2014/main" id="{F55F6220-EB95-4AB6-9DAF-523A05B0544C}"/>
+                </a:ext>
+              </a:extLst>
+            </p:cNvPr>
+            <p:cNvSpPr txBox="1"/>
+            <p:nvPr/>
+          </p:nvSpPr>
+          <p:spPr>
+            <a:xfrm>
+              <a:off x="3230386" y="4566916"/>
+              <a:ext cx="3249759" cy="369332"/>
+            </a:xfrm>
+            <a:prstGeom prst="rect">
+              <a:avLst/>
+            </a:prstGeom>
+            <a:noFill/>
+          </p:spPr>
+          <p:txBody>
+            <a:bodyPr wrap="square" rtlCol="0">
+              <a:spAutoFit/>
+            </a:bodyPr>
+            <a:lstStyle/>
+            <a:p>
+              <a:r>
+                <a:rPr lang="en-US" dirty="0"/>
+                <a:t>Deployed Model Monitoring</a:t>
+              </a:r>
+            </a:p>
+          </p:txBody>
+        </p:sp>
+      </p:grpSp>
+      <p:cxnSp>
+        <p:nvCxnSpPr>
+          <p:cNvPr id="300" name="Connector: Elbow 299">
+            <a:extLst>
+              <a:ext uri="{FF2B5EF4-FFF2-40B4-BE49-F238E27FC236}">
+                <a16:creationId xmlns:a16="http://schemas.microsoft.com/office/drawing/2014/main" id="{E3818B6D-4F1A-4F69-9D35-BB5EDCC84C36}"/>
+              </a:ext>
+            </a:extLst>
+          </p:cNvPr>
+          <p:cNvCxnSpPr>
+            <a:cxnSpLocks/>
+            <a:stCxn id="228" idx="1"/>
+          </p:cNvCxnSpPr>
+          <p:nvPr/>
+        </p:nvCxnSpPr>
+        <p:spPr>
+          <a:xfrm rot="10800000" flipV="1">
+            <a:off x="3705232" y="6169906"/>
+            <a:ext cx="4210689" cy="322667"/>
+          </a:xfrm>
+          <a:prstGeom prst="bentConnector3">
+            <a:avLst>
+              <a:gd name="adj1" fmla="val 50000"/>
+            </a:avLst>
+          </a:prstGeom>
+          <a:ln>
+            <a:tailEnd type="triangle"/>
+          </a:ln>
+        </p:spPr>
+        <p:style>
+          <a:lnRef idx="1">
+            <a:schemeClr val="accent1"/>
+          </a:lnRef>
+          <a:fillRef idx="0">
+            <a:schemeClr val="accent1"/>
+          </a:fillRef>
+          <a:effectRef idx="0">
+            <a:schemeClr val="accent1"/>
+          </a:effectRef>
+          <a:fontRef idx="minor">
+            <a:schemeClr val="tx1"/>
+          </a:fontRef>
+        </p:style>
+      </p:cxnSp>
+      <p:sp>
+        <p:nvSpPr>
+          <p:cNvPr id="301" name="TextBox 300">
+            <a:extLst>
+              <a:ext uri="{FF2B5EF4-FFF2-40B4-BE49-F238E27FC236}">
+                <a16:creationId xmlns:a16="http://schemas.microsoft.com/office/drawing/2014/main" id="{A1A3D8C4-119E-4216-B7AF-A38134188BC4}"/>
+              </a:ext>
+            </a:extLst>
+          </p:cNvPr>
+          <p:cNvSpPr txBox="1"/>
+          <p:nvPr/>
+        </p:nvSpPr>
+        <p:spPr>
+          <a:xfrm>
+            <a:off x="3784607" y="6057921"/>
+            <a:ext cx="2296696" cy="461665"/>
+          </a:xfrm>
+          <a:prstGeom prst="rect">
+            <a:avLst/>
+          </a:prstGeom>
+          <a:noFill/>
+        </p:spPr>
+        <p:txBody>
+          <a:bodyPr wrap="square" rtlCol="0">
+            <a:spAutoFit/>
+          </a:bodyPr>
+          <a:lstStyle/>
+          <a:p>
+            <a:r>
+              <a:rPr lang="en-US" sz="1200" dirty="0"/>
+              <a:t>Log telemetry, inputs and predictions</a:t>
+            </a:r>
+          </a:p>
+        </p:txBody>
+      </p:sp>
+      <p:sp>
+        <p:nvSpPr>
+          <p:cNvPr id="102" name="TextBox 101">
+            <a:extLst>
+              <a:ext uri="{FF2B5EF4-FFF2-40B4-BE49-F238E27FC236}">
+                <a16:creationId xmlns:a16="http://schemas.microsoft.com/office/drawing/2014/main" id="{B90BCEDB-E089-417C-83B1-80C2227C72F2}"/>
+              </a:ext>
+            </a:extLst>
+          </p:cNvPr>
+          <p:cNvSpPr txBox="1"/>
+          <p:nvPr/>
+        </p:nvSpPr>
+        <p:spPr>
+          <a:xfrm>
+            <a:off x="-530172" y="1563847"/>
+            <a:ext cx="1318590" cy="461665"/>
+          </a:xfrm>
+          <a:prstGeom prst="rect">
+            <a:avLst/>
+          </a:prstGeom>
+          <a:noFill/>
+        </p:spPr>
+        <p:txBody>
+          <a:bodyPr wrap="square" rtlCol="0">
+            <a:spAutoFit/>
+          </a:bodyPr>
+          <a:lstStyle/>
+          <a:p>
+            <a:pPr algn="r"/>
+            <a:r>
+              <a:rPr lang="en-US" sz="1200" dirty="0"/>
+              <a:t>Change</a:t>
+            </a:r>
+            <a:br>
+              <a:rPr lang="en-US" sz="1200" dirty="0"/>
+            </a:br>
+            <a:r>
+              <a:rPr lang="en-US" sz="1200" dirty="0"/>
+              <a:t>script</a:t>
+            </a:r>
+          </a:p>
+        </p:txBody>
+      </p:sp>
+      <p:sp>
+        <p:nvSpPr>
+          <p:cNvPr id="109" name="TextBox 108">
+            <a:extLst>
+              <a:ext uri="{FF2B5EF4-FFF2-40B4-BE49-F238E27FC236}">
+                <a16:creationId xmlns:a16="http://schemas.microsoft.com/office/drawing/2014/main" id="{368D1072-DE87-49E3-AF65-36A38AA943B0}"/>
+              </a:ext>
+            </a:extLst>
+          </p:cNvPr>
+          <p:cNvSpPr txBox="1"/>
+          <p:nvPr/>
+        </p:nvSpPr>
+        <p:spPr>
+          <a:xfrm>
+            <a:off x="1770926" y="3169326"/>
+            <a:ext cx="833844" cy="830997"/>
+          </a:xfrm>
+          <a:prstGeom prst="rect">
+            <a:avLst/>
+          </a:prstGeom>
+          <a:noFill/>
+        </p:spPr>
+        <p:txBody>
+          <a:bodyPr wrap="square" rtlCol="0">
+            <a:spAutoFit/>
+          </a:bodyPr>
+          <a:lstStyle/>
+          <a:p>
+            <a:r>
+              <a:rPr lang="en-US" sz="1200" dirty="0"/>
+              <a:t>Trigger DevOps</a:t>
+            </a:r>
+          </a:p>
+          <a:p>
+            <a:r>
+              <a:rPr lang="en-US" sz="1200" dirty="0"/>
+              <a:t>Build Pipeline</a:t>
+            </a:r>
+          </a:p>
+        </p:txBody>
+      </p:sp>
+      <p:sp>
+        <p:nvSpPr>
+          <p:cNvPr id="117" name="Rectangle: Rounded Corners 116">
+            <a:extLst>
+              <a:ext uri="{FF2B5EF4-FFF2-40B4-BE49-F238E27FC236}">
+                <a16:creationId xmlns:a16="http://schemas.microsoft.com/office/drawing/2014/main" id="{A034E7C9-6A3F-4480-B61C-218080B42451}"/>
+              </a:ext>
+            </a:extLst>
+          </p:cNvPr>
+          <p:cNvSpPr/>
+          <p:nvPr/>
+        </p:nvSpPr>
+        <p:spPr>
+          <a:xfrm>
+            <a:off x="2492636" y="901360"/>
+            <a:ext cx="3588667" cy="2616350"/>
+          </a:xfrm>
+          <a:prstGeom prst="roundRect">
+            <a:avLst>
+              <a:gd name="adj" fmla="val 6590"/>
+            </a:avLst>
+          </a:prstGeom>
+          <a:solidFill>
+            <a:schemeClr val="bg1"/>
+          </a:solidFill>
+        </p:spPr>
+        <p:style>
+          <a:lnRef idx="2">
+            <a:schemeClr val="accent1">
+              <a:shade val="50000"/>
+            </a:schemeClr>
+          </a:lnRef>
+          <a:fillRef idx="1">
+            <a:schemeClr val="accent1"/>
+          </a:fillRef>
+          <a:effectRef idx="0">
+            <a:schemeClr val="accent1"/>
+          </a:effectRef>
+          <a:fontRef idx="minor">
+            <a:schemeClr val="lt1"/>
+          </a:fontRef>
+        </p:style>
+        <p:txBody>
+          <a:bodyPr rtlCol="0" anchor="ctr"/>
+          <a:lstStyle/>
+          <a:p>
+            <a:pPr algn="ctr"/>
+            <a:endParaRPr lang="en-US"/>
+          </a:p>
+        </p:txBody>
+      </p:sp>
+      <p:grpSp>
+        <p:nvGrpSpPr>
+          <p:cNvPr id="119" name="Group 118">
+            <a:extLst>
+              <a:ext uri="{FF2B5EF4-FFF2-40B4-BE49-F238E27FC236}">
+                <a16:creationId xmlns:a16="http://schemas.microsoft.com/office/drawing/2014/main" id="{7C55DC5D-F010-4121-9FA9-13F3A99174D9}"/>
+              </a:ext>
+            </a:extLst>
+          </p:cNvPr>
+          <p:cNvGrpSpPr/>
+          <p:nvPr/>
+        </p:nvGrpSpPr>
+        <p:grpSpPr>
+          <a:xfrm>
+            <a:off x="2616421" y="949361"/>
+            <a:ext cx="1886650" cy="394606"/>
+            <a:chOff x="4488581" y="3016317"/>
+            <a:chExt cx="1886650" cy="394606"/>
+          </a:xfrm>
+        </p:grpSpPr>
+        <p:pic>
+          <p:nvPicPr>
+            <p:cNvPr id="179" name="Graphic 138">
+              <a:extLst>
+                <a:ext uri="{FF2B5EF4-FFF2-40B4-BE49-F238E27FC236}">
+                  <a16:creationId xmlns:a16="http://schemas.microsoft.com/office/drawing/2014/main" id="{8795F715-C2F4-4BDF-8D12-D0590DB8822F}"/>
+                </a:ext>
+              </a:extLst>
+            </p:cNvPr>
+            <p:cNvPicPr>
+              <a:picLocks noChangeAspect="1"/>
+            </p:cNvPicPr>
+            <p:nvPr/>
+          </p:nvPicPr>
+          <p:blipFill>
+            <a:blip r:embed="rId9">
+              <a:extLst>
+                <a:ext uri="{28A0092B-C50C-407E-A947-70E740481C1C}">
+                  <a14:useLocalDpi xmlns:a14="http://schemas.microsoft.com/office/drawing/2010/main" val="0"/>
+                </a:ext>
+                <a:ext uri="{96DAC541-7B7A-43D3-8B79-37D633B846F1}">
+                  <asvg:svgBlip xmlns:asvg="http://schemas.microsoft.com/office/drawing/2016/SVG/main" r:embed="rId10"/>
+                </a:ext>
+              </a:extLst>
+            </a:blip>
+            <a:stretch>
+              <a:fillRect/>
+            </a:stretch>
+          </p:blipFill>
+          <p:spPr>
+            <a:xfrm>
+              <a:off x="4488581" y="3016317"/>
+              <a:ext cx="394606" cy="394606"/>
+            </a:xfrm>
+            <a:prstGeom prst="rect">
+              <a:avLst/>
+            </a:prstGeom>
+          </p:spPr>
+        </p:pic>
+        <p:sp>
+          <p:nvSpPr>
+            <p:cNvPr id="180" name="TextBox 179">
+              <a:extLst>
+                <a:ext uri="{FF2B5EF4-FFF2-40B4-BE49-F238E27FC236}">
+                  <a16:creationId xmlns:a16="http://schemas.microsoft.com/office/drawing/2014/main" id="{EDB01BCB-5E83-4583-9DA6-A0FE95C092C8}"/>
+                </a:ext>
+              </a:extLst>
+            </p:cNvPr>
+            <p:cNvSpPr txBox="1"/>
+            <p:nvPr/>
+          </p:nvSpPr>
+          <p:spPr>
+            <a:xfrm>
+              <a:off x="4914810" y="3038616"/>
+              <a:ext cx="1460421" cy="307777"/>
+            </a:xfrm>
+            <a:prstGeom prst="rect">
+              <a:avLst/>
+            </a:prstGeom>
+            <a:noFill/>
+          </p:spPr>
+          <p:txBody>
+            <a:bodyPr wrap="square" rtlCol="0">
+              <a:spAutoFit/>
+            </a:bodyPr>
+            <a:lstStyle/>
+            <a:p>
+              <a:r>
+                <a:rPr lang="en-US" sz="1400" b="1" dirty="0"/>
+                <a:t>Azure DevOps</a:t>
+              </a:r>
+              <a:endParaRPr lang="en-US" sz="1100" b="1" dirty="0"/>
+            </a:p>
+          </p:txBody>
+        </p:sp>
+      </p:grpSp>
+      <p:sp>
+        <p:nvSpPr>
+          <p:cNvPr id="121" name="TextBox 120">
+            <a:extLst>
+              <a:ext uri="{FF2B5EF4-FFF2-40B4-BE49-F238E27FC236}">
+                <a16:creationId xmlns:a16="http://schemas.microsoft.com/office/drawing/2014/main" id="{056C0DA7-9FED-43E1-8328-9317FCA569CD}"/>
+              </a:ext>
+            </a:extLst>
+          </p:cNvPr>
+          <p:cNvSpPr txBox="1"/>
+          <p:nvPr/>
+        </p:nvSpPr>
+        <p:spPr>
+          <a:xfrm>
+            <a:off x="2518042" y="1237285"/>
+            <a:ext cx="3555173" cy="461665"/>
+          </a:xfrm>
+          <a:prstGeom prst="rect">
+            <a:avLst/>
+          </a:prstGeom>
+          <a:noFill/>
+        </p:spPr>
+        <p:txBody>
+          <a:bodyPr wrap="square" rtlCol="0">
+            <a:spAutoFit/>
+          </a:bodyPr>
+          <a:lstStyle/>
+          <a:p>
+            <a:pPr algn="ctr"/>
+            <a:r>
+              <a:rPr lang="en-US" sz="1400" dirty="0"/>
+              <a:t>DevOps </a:t>
+            </a:r>
+            <a:r>
+              <a:rPr lang="en-US" sz="1400" dirty="0">
+                <a:solidFill>
+                  <a:schemeClr val="accent2"/>
+                </a:solidFill>
+              </a:rPr>
+              <a:t>Build</a:t>
+            </a:r>
+            <a:r>
+              <a:rPr lang="en-US" sz="1400" dirty="0"/>
+              <a:t> Pipeline</a:t>
+            </a:r>
+            <a:endParaRPr lang="en-US" sz="1100" dirty="0"/>
+          </a:p>
+          <a:p>
+            <a:pPr algn="ctr"/>
+            <a:r>
+              <a:rPr lang="en-US" sz="1000" dirty="0"/>
+              <a:t>Deploy Infrastructure, Train, Evaluate</a:t>
+            </a:r>
+          </a:p>
+        </p:txBody>
+      </p:sp>
+      <p:sp>
+        <p:nvSpPr>
+          <p:cNvPr id="125" name="Rectangle: Rounded Corners 124">
+            <a:extLst>
+              <a:ext uri="{FF2B5EF4-FFF2-40B4-BE49-F238E27FC236}">
+                <a16:creationId xmlns:a16="http://schemas.microsoft.com/office/drawing/2014/main" id="{4CED5851-9FE0-4D2B-B114-48C0BDAB1498}"/>
+              </a:ext>
+            </a:extLst>
+          </p:cNvPr>
+          <p:cNvSpPr/>
+          <p:nvPr/>
+        </p:nvSpPr>
+        <p:spPr bwMode="auto">
+          <a:xfrm>
+            <a:off x="2628570" y="1714984"/>
+            <a:ext cx="3250636" cy="934456"/>
+          </a:xfrm>
+          <a:prstGeom prst="roundRect">
+            <a:avLst>
+              <a:gd name="adj" fmla="val 17014"/>
+            </a:avLst>
+          </a:prstGeom>
+          <a:noFill/>
+          <a:ln>
+            <a:solidFill>
+              <a:schemeClr val="bg2">
+                <a:lumMod val="75000"/>
+              </a:schemeClr>
+            </a:solidFill>
+            <a:prstDash val="dash"/>
+            <a:headEnd type="none" w="med" len="med"/>
+            <a:tailEnd type="none" w="med" len="med"/>
+          </a:ln>
+        </p:spPr>
+        <p:style>
+          <a:lnRef idx="2">
+            <a:schemeClr val="accent1">
+              <a:shade val="50000"/>
+            </a:schemeClr>
+          </a:lnRef>
+          <a:fillRef idx="1">
+            <a:schemeClr val="accent1"/>
+          </a:fillRef>
+          <a:effectRef idx="0">
+            <a:schemeClr val="accent1"/>
+          </a:effectRef>
+          <a:fontRef idx="minor">
+            <a:schemeClr val="lt1"/>
+          </a:fontRef>
+        </p:style>
+        <p:txBody>
+          <a:bodyPr vert="horz" wrap="square" lIns="0" tIns="46637" rIns="0" bIns="46637" numCol="1" rtlCol="0" anchor="ctr" anchorCtr="0" compatLnSpc="1">
+            <a:prstTxWarp prst="textNoShape">
+              <a:avLst/>
+            </a:prstTxWarp>
+          </a:bodyPr>
+          <a:lstStyle/>
+          <a:p>
+            <a:pPr algn="ctr" defTabSz="932472" fontAlgn="base">
+              <a:spcBef>
+                <a:spcPct val="0"/>
+              </a:spcBef>
+              <a:spcAft>
+                <a:spcPct val="0"/>
+              </a:spcAft>
+            </a:pPr>
+            <a:endParaRPr lang="en-US" sz="1600" dirty="0">
+              <a:gradFill>
+                <a:gsLst>
+                  <a:gs pos="40075">
+                    <a:srgbClr val="FFFFFF"/>
+                  </a:gs>
+                  <a:gs pos="30000">
+                    <a:srgbClr val="FFFFFF"/>
+                  </a:gs>
+                </a:gsLst>
+                <a:lin ang="5400000" scaled="0"/>
+              </a:gradFill>
+            </a:endParaRPr>
+          </a:p>
+        </p:txBody>
+      </p:sp>
+      <p:grpSp>
+        <p:nvGrpSpPr>
+          <p:cNvPr id="126" name="Group 125">
+            <a:extLst>
+              <a:ext uri="{FF2B5EF4-FFF2-40B4-BE49-F238E27FC236}">
+                <a16:creationId xmlns:a16="http://schemas.microsoft.com/office/drawing/2014/main" id="{7B346490-0049-4F21-89F0-338966FDB988}"/>
+              </a:ext>
+            </a:extLst>
+          </p:cNvPr>
+          <p:cNvGrpSpPr/>
+          <p:nvPr/>
+        </p:nvGrpSpPr>
+        <p:grpSpPr>
+          <a:xfrm>
+            <a:off x="2415010" y="1811416"/>
+            <a:ext cx="1150863" cy="1354498"/>
+            <a:chOff x="1955837" y="4721441"/>
+            <a:chExt cx="1150863" cy="1354498"/>
+          </a:xfrm>
+        </p:grpSpPr>
+        <p:sp>
+          <p:nvSpPr>
+            <p:cNvPr id="177" name="TextBox 176">
+              <a:extLst>
+                <a:ext uri="{FF2B5EF4-FFF2-40B4-BE49-F238E27FC236}">
+                  <a16:creationId xmlns:a16="http://schemas.microsoft.com/office/drawing/2014/main" id="{84D6A017-0068-4453-B47D-8029AE7C3762}"/>
+                </a:ext>
+              </a:extLst>
+            </p:cNvPr>
+            <p:cNvSpPr txBox="1"/>
+            <p:nvPr/>
+          </p:nvSpPr>
+          <p:spPr>
+            <a:xfrm>
+              <a:off x="1955837" y="5614274"/>
+              <a:ext cx="1150863" cy="461665"/>
+            </a:xfrm>
+            <a:prstGeom prst="rect">
+              <a:avLst/>
+            </a:prstGeom>
+            <a:noFill/>
+          </p:spPr>
+          <p:txBody>
+            <a:bodyPr wrap="square" rtlCol="0">
+              <a:spAutoFit/>
+            </a:bodyPr>
+            <a:lstStyle/>
+            <a:p>
+              <a:pPr algn="ctr"/>
+              <a:r>
+                <a:rPr lang="en-US" sz="1200" dirty="0"/>
+                <a:t>Create</a:t>
+              </a:r>
+              <a:br>
+                <a:rPr lang="en-US" sz="1200" dirty="0"/>
+              </a:br>
+              <a:r>
+                <a:rPr lang="en-US" sz="1200" dirty="0"/>
+                <a:t>Linux VM</a:t>
+              </a:r>
+              <a:endParaRPr lang="en-US" sz="1050" dirty="0"/>
+            </a:p>
+          </p:txBody>
+        </p:sp>
+        <p:sp>
+          <p:nvSpPr>
+            <p:cNvPr id="178" name="Flowchart: Direct Access Storage 177">
+              <a:extLst>
+                <a:ext uri="{FF2B5EF4-FFF2-40B4-BE49-F238E27FC236}">
+                  <a16:creationId xmlns:a16="http://schemas.microsoft.com/office/drawing/2014/main" id="{EB789FC9-2410-4D4B-9918-4C6BE3FBCDCD}"/>
+                </a:ext>
+              </a:extLst>
+            </p:cNvPr>
+            <p:cNvSpPr/>
+            <p:nvPr/>
+          </p:nvSpPr>
+          <p:spPr bwMode="auto">
+            <a:xfrm>
+              <a:off x="2232599" y="4721441"/>
+              <a:ext cx="597339" cy="761824"/>
+            </a:xfrm>
+            <a:prstGeom prst="flowChartMagneticDrum">
+              <a:avLst/>
+            </a:prstGeom>
+            <a:gradFill flip="none" rotWithShape="1">
+              <a:gsLst>
+                <a:gs pos="0">
+                  <a:schemeClr val="accent1">
+                    <a:lumMod val="67000"/>
+                  </a:schemeClr>
+                </a:gs>
+                <a:gs pos="48000">
+                  <a:schemeClr val="accent1">
+                    <a:lumMod val="97000"/>
+                    <a:lumOff val="3000"/>
+                  </a:schemeClr>
+                </a:gs>
+                <a:gs pos="100000">
+                  <a:schemeClr val="accent1">
+                    <a:lumMod val="60000"/>
+                    <a:lumOff val="40000"/>
+                  </a:schemeClr>
+                </a:gs>
+              </a:gsLst>
+              <a:lin ang="16200000" scaled="1"/>
+              <a:tileRect/>
+            </a:gradFill>
+            <a:ln>
+              <a:solidFill>
+                <a:schemeClr val="bg2">
+                  <a:lumMod val="75000"/>
+                </a:schemeClr>
+              </a:solidFill>
+            </a:ln>
+          </p:spPr>
+          <p:style>
+            <a:lnRef idx="0">
+              <a:scrgbClr r="0" g="0" b="0"/>
+            </a:lnRef>
+            <a:fillRef idx="0">
+              <a:scrgbClr r="0" g="0" b="0"/>
+            </a:fillRef>
+            <a:effectRef idx="0">
+              <a:scrgbClr r="0" g="0" b="0"/>
+            </a:effectRef>
+            <a:fontRef idx="minor">
+              <a:schemeClr val="lt1"/>
+            </a:fontRef>
+          </p:style>
+          <p:txBody>
+            <a:bodyPr vert="horz" wrap="square" lIns="0" tIns="46637" rIns="0" bIns="46637" numCol="1" rtlCol="0" anchor="ctr" anchorCtr="0" compatLnSpc="1">
+              <a:prstTxWarp prst="textNoShape">
+                <a:avLst/>
+              </a:prstTxWarp>
+            </a:bodyPr>
+            <a:lstStyle/>
+            <a:p>
+              <a:pPr algn="ctr" defTabSz="932472" fontAlgn="base">
+                <a:spcBef>
+                  <a:spcPct val="0"/>
+                </a:spcBef>
+                <a:spcAft>
+                  <a:spcPct val="0"/>
+                </a:spcAft>
+              </a:pPr>
+              <a:endParaRPr lang="en-US" sz="1600" dirty="0">
+                <a:gradFill>
+                  <a:gsLst>
+                    <a:gs pos="40075">
+                      <a:srgbClr val="FFFFFF"/>
+                    </a:gs>
+                    <a:gs pos="30000">
+                      <a:srgbClr val="FFFFFF"/>
+                    </a:gs>
+                  </a:gsLst>
+                  <a:lin ang="5400000" scaled="0"/>
+                </a:gradFill>
+              </a:endParaRPr>
+            </a:p>
+          </p:txBody>
+        </p:sp>
+      </p:grpSp>
+      <p:cxnSp>
+        <p:nvCxnSpPr>
+          <p:cNvPr id="131" name="Straight Arrow Connector 130">
+            <a:extLst>
+              <a:ext uri="{FF2B5EF4-FFF2-40B4-BE49-F238E27FC236}">
+                <a16:creationId xmlns:a16="http://schemas.microsoft.com/office/drawing/2014/main" id="{A14D605C-F0C1-49A7-BEE6-49DD1E118150}"/>
+              </a:ext>
+            </a:extLst>
+          </p:cNvPr>
+          <p:cNvCxnSpPr>
+            <a:stCxn id="178" idx="3"/>
+            <a:endCxn id="159" idx="1"/>
+          </p:cNvCxnSpPr>
+          <p:nvPr/>
+        </p:nvCxnSpPr>
+        <p:spPr>
+          <a:xfrm>
+            <a:off x="3089998" y="2192328"/>
+            <a:ext cx="2075187" cy="0"/>
+          </a:xfrm>
+          <a:prstGeom prst="straightConnector1">
+            <a:avLst/>
+          </a:prstGeom>
+          <a:ln>
+            <a:tailEnd type="triangle"/>
+          </a:ln>
+        </p:spPr>
+        <p:style>
+          <a:lnRef idx="1">
+            <a:schemeClr val="accent1"/>
+          </a:lnRef>
+          <a:fillRef idx="0">
+            <a:schemeClr val="accent1"/>
+          </a:fillRef>
+          <a:effectRef idx="0">
+            <a:schemeClr val="accent1"/>
+          </a:effectRef>
+          <a:fontRef idx="minor">
+            <a:schemeClr val="tx1"/>
+          </a:fontRef>
+        </p:style>
+      </p:cxnSp>
+      <p:grpSp>
+        <p:nvGrpSpPr>
+          <p:cNvPr id="136" name="Group 135">
+            <a:extLst>
+              <a:ext uri="{FF2B5EF4-FFF2-40B4-BE49-F238E27FC236}">
+                <a16:creationId xmlns:a16="http://schemas.microsoft.com/office/drawing/2014/main" id="{FB8E206F-EB8C-47DC-B2D5-534C34FEA72D}"/>
+              </a:ext>
+            </a:extLst>
+          </p:cNvPr>
+          <p:cNvGrpSpPr/>
+          <p:nvPr/>
+        </p:nvGrpSpPr>
+        <p:grpSpPr>
+          <a:xfrm>
+            <a:off x="3172681" y="1811416"/>
+            <a:ext cx="1150863" cy="1549972"/>
+            <a:chOff x="3256846" y="4721441"/>
+            <a:chExt cx="1150863" cy="1549972"/>
+          </a:xfrm>
+        </p:grpSpPr>
+        <p:sp>
+          <p:nvSpPr>
+            <p:cNvPr id="164" name="Flowchart: Direct Access Storage 163">
+              <a:extLst>
+                <a:ext uri="{FF2B5EF4-FFF2-40B4-BE49-F238E27FC236}">
+                  <a16:creationId xmlns:a16="http://schemas.microsoft.com/office/drawing/2014/main" id="{DCFAA885-2660-4635-91D7-D4A616123926}"/>
+                </a:ext>
+              </a:extLst>
+            </p:cNvPr>
+            <p:cNvSpPr/>
+            <p:nvPr/>
+          </p:nvSpPr>
+          <p:spPr bwMode="auto">
+            <a:xfrm>
+              <a:off x="3533608" y="4721441"/>
+              <a:ext cx="597339" cy="761824"/>
+            </a:xfrm>
+            <a:prstGeom prst="flowChartMagneticDrum">
+              <a:avLst/>
+            </a:prstGeom>
+            <a:gradFill flip="none" rotWithShape="1">
+              <a:gsLst>
+                <a:gs pos="0">
+                  <a:schemeClr val="accent1">
+                    <a:lumMod val="67000"/>
+                  </a:schemeClr>
+                </a:gs>
+                <a:gs pos="48000">
+                  <a:schemeClr val="accent1">
+                    <a:lumMod val="97000"/>
+                    <a:lumOff val="3000"/>
+                  </a:schemeClr>
+                </a:gs>
+                <a:gs pos="100000">
+                  <a:schemeClr val="accent1">
+                    <a:lumMod val="60000"/>
+                    <a:lumOff val="40000"/>
+                  </a:schemeClr>
+                </a:gs>
+              </a:gsLst>
+              <a:lin ang="16200000" scaled="1"/>
+              <a:tileRect/>
+            </a:gradFill>
+            <a:ln>
+              <a:solidFill>
+                <a:schemeClr val="bg2">
+                  <a:lumMod val="75000"/>
+                </a:schemeClr>
+              </a:solidFill>
+            </a:ln>
+          </p:spPr>
+          <p:style>
+            <a:lnRef idx="0">
+              <a:scrgbClr r="0" g="0" b="0"/>
+            </a:lnRef>
+            <a:fillRef idx="0">
+              <a:scrgbClr r="0" g="0" b="0"/>
+            </a:fillRef>
+            <a:effectRef idx="0">
+              <a:scrgbClr r="0" g="0" b="0"/>
+            </a:effectRef>
+            <a:fontRef idx="minor">
+              <a:schemeClr val="lt1"/>
+            </a:fontRef>
+          </p:style>
+          <p:txBody>
+            <a:bodyPr vert="horz" wrap="square" lIns="0" tIns="46637" rIns="0" bIns="46637" numCol="1" rtlCol="0" anchor="ctr" anchorCtr="0" compatLnSpc="1">
+              <a:prstTxWarp prst="textNoShape">
+                <a:avLst/>
+              </a:prstTxWarp>
+            </a:bodyPr>
+            <a:lstStyle/>
+            <a:p>
+              <a:pPr algn="ctr" defTabSz="932472" fontAlgn="base">
+                <a:spcBef>
+                  <a:spcPct val="0"/>
+                </a:spcBef>
+                <a:spcAft>
+                  <a:spcPct val="0"/>
+                </a:spcAft>
+              </a:pPr>
+              <a:endParaRPr lang="en-US" sz="1600" dirty="0">
+                <a:gradFill>
+                  <a:gsLst>
+                    <a:gs pos="40075">
+                      <a:srgbClr val="FFFFFF"/>
+                    </a:gs>
+                    <a:gs pos="30000">
+                      <a:srgbClr val="FFFFFF"/>
+                    </a:gs>
+                  </a:gsLst>
+                  <a:lin ang="5400000" scaled="0"/>
+                </a:gradFill>
+              </a:endParaRPr>
+            </a:p>
+          </p:txBody>
+        </p:sp>
+        <p:sp>
+          <p:nvSpPr>
+            <p:cNvPr id="170" name="TextBox 169">
+              <a:extLst>
+                <a:ext uri="{FF2B5EF4-FFF2-40B4-BE49-F238E27FC236}">
+                  <a16:creationId xmlns:a16="http://schemas.microsoft.com/office/drawing/2014/main" id="{E98ACC10-AC10-469E-A181-03E3BEE15BB9}"/>
+                </a:ext>
+              </a:extLst>
+            </p:cNvPr>
+            <p:cNvSpPr txBox="1"/>
+            <p:nvPr/>
+          </p:nvSpPr>
+          <p:spPr>
+            <a:xfrm>
+              <a:off x="3256846" y="5625082"/>
+              <a:ext cx="1150863" cy="646331"/>
+            </a:xfrm>
+            <a:prstGeom prst="rect">
+              <a:avLst/>
+            </a:prstGeom>
+            <a:noFill/>
+          </p:spPr>
+          <p:txBody>
+            <a:bodyPr wrap="square" rtlCol="0">
+              <a:spAutoFit/>
+            </a:bodyPr>
+            <a:lstStyle/>
+            <a:p>
+              <a:pPr algn="ctr"/>
+              <a:r>
+                <a:rPr lang="en-US" sz="1200" dirty="0"/>
+                <a:t>Create/Get</a:t>
+              </a:r>
+              <a:br>
+                <a:rPr lang="en-US" sz="1200" dirty="0"/>
+              </a:br>
+              <a:r>
+                <a:rPr lang="en-US" sz="1200" dirty="0"/>
+                <a:t>AML </a:t>
+              </a:r>
+              <a:br>
+                <a:rPr lang="en-US" sz="1200" dirty="0"/>
+              </a:br>
+              <a:r>
+                <a:rPr lang="en-US" sz="1200" dirty="0"/>
+                <a:t>Workspace</a:t>
+              </a:r>
+              <a:endParaRPr lang="en-US" sz="1050" dirty="0"/>
+            </a:p>
+          </p:txBody>
+        </p:sp>
+      </p:grpSp>
+      <p:grpSp>
+        <p:nvGrpSpPr>
+          <p:cNvPr id="137" name="Group 136">
+            <a:extLst>
+              <a:ext uri="{FF2B5EF4-FFF2-40B4-BE49-F238E27FC236}">
+                <a16:creationId xmlns:a16="http://schemas.microsoft.com/office/drawing/2014/main" id="{007B6ABB-FF9B-4301-9112-62D6D5C969F5}"/>
+              </a:ext>
+            </a:extLst>
+          </p:cNvPr>
+          <p:cNvGrpSpPr/>
+          <p:nvPr/>
+        </p:nvGrpSpPr>
+        <p:grpSpPr>
+          <a:xfrm>
+            <a:off x="3980678" y="1814958"/>
+            <a:ext cx="1150863" cy="1552981"/>
+            <a:chOff x="4290132" y="4724983"/>
+            <a:chExt cx="1150863" cy="1552981"/>
+          </a:xfrm>
+        </p:grpSpPr>
+        <p:sp>
+          <p:nvSpPr>
+            <p:cNvPr id="162" name="TextBox 161">
+              <a:extLst>
+                <a:ext uri="{FF2B5EF4-FFF2-40B4-BE49-F238E27FC236}">
+                  <a16:creationId xmlns:a16="http://schemas.microsoft.com/office/drawing/2014/main" id="{7167892A-ED40-43E3-BB46-A13FC9E0D8FE}"/>
+                </a:ext>
+              </a:extLst>
+            </p:cNvPr>
+            <p:cNvSpPr txBox="1"/>
+            <p:nvPr/>
+          </p:nvSpPr>
+          <p:spPr>
+            <a:xfrm>
+              <a:off x="4290132" y="5631633"/>
+              <a:ext cx="1150863" cy="646331"/>
+            </a:xfrm>
+            <a:prstGeom prst="rect">
+              <a:avLst/>
+            </a:prstGeom>
+            <a:noFill/>
+          </p:spPr>
+          <p:txBody>
+            <a:bodyPr wrap="square" rtlCol="0">
+              <a:spAutoFit/>
+            </a:bodyPr>
+            <a:lstStyle/>
+            <a:p>
+              <a:pPr algn="ctr"/>
+              <a:r>
+                <a:rPr lang="en-US" sz="1200" dirty="0"/>
+                <a:t>Create/Get</a:t>
+              </a:r>
+              <a:br>
+                <a:rPr lang="en-US" sz="1200" dirty="0"/>
+              </a:br>
+              <a:r>
+                <a:rPr lang="en-US" sz="1200" dirty="0"/>
+                <a:t>AML</a:t>
+              </a:r>
+              <a:br>
+                <a:rPr lang="en-US" sz="1200" dirty="0"/>
+              </a:br>
+              <a:r>
+                <a:rPr lang="en-US" sz="1200" dirty="0"/>
+                <a:t>Compute</a:t>
+              </a:r>
+              <a:endParaRPr lang="en-US" sz="1050" dirty="0"/>
+            </a:p>
+          </p:txBody>
+        </p:sp>
+        <p:sp>
+          <p:nvSpPr>
+            <p:cNvPr id="163" name="Flowchart: Direct Access Storage 162">
+              <a:extLst>
+                <a:ext uri="{FF2B5EF4-FFF2-40B4-BE49-F238E27FC236}">
+                  <a16:creationId xmlns:a16="http://schemas.microsoft.com/office/drawing/2014/main" id="{2753E2FF-2D55-4895-A2D4-D5E147B2484E}"/>
+                </a:ext>
+              </a:extLst>
+            </p:cNvPr>
+            <p:cNvSpPr/>
+            <p:nvPr/>
+          </p:nvSpPr>
+          <p:spPr bwMode="auto">
+            <a:xfrm>
+              <a:off x="4566894" y="4724983"/>
+              <a:ext cx="597339" cy="761824"/>
+            </a:xfrm>
+            <a:prstGeom prst="flowChartMagneticDrum">
+              <a:avLst/>
+            </a:prstGeom>
+            <a:gradFill flip="none" rotWithShape="1">
+              <a:gsLst>
+                <a:gs pos="0">
+                  <a:schemeClr val="accent1">
+                    <a:lumMod val="67000"/>
+                  </a:schemeClr>
+                </a:gs>
+                <a:gs pos="48000">
+                  <a:schemeClr val="accent1">
+                    <a:lumMod val="97000"/>
+                    <a:lumOff val="3000"/>
+                  </a:schemeClr>
+                </a:gs>
+                <a:gs pos="100000">
+                  <a:schemeClr val="accent1">
+                    <a:lumMod val="60000"/>
+                    <a:lumOff val="40000"/>
+                  </a:schemeClr>
+                </a:gs>
+              </a:gsLst>
+              <a:lin ang="16200000" scaled="1"/>
+              <a:tileRect/>
+            </a:gradFill>
+            <a:ln>
+              <a:solidFill>
+                <a:schemeClr val="bg2">
+                  <a:lumMod val="75000"/>
+                </a:schemeClr>
+              </a:solidFill>
+            </a:ln>
+          </p:spPr>
+          <p:style>
+            <a:lnRef idx="0">
+              <a:scrgbClr r="0" g="0" b="0"/>
+            </a:lnRef>
+            <a:fillRef idx="0">
+              <a:scrgbClr r="0" g="0" b="0"/>
+            </a:fillRef>
+            <a:effectRef idx="0">
+              <a:scrgbClr r="0" g="0" b="0"/>
+            </a:effectRef>
+            <a:fontRef idx="minor">
+              <a:schemeClr val="lt1"/>
+            </a:fontRef>
+          </p:style>
+          <p:txBody>
+            <a:bodyPr vert="horz" wrap="square" lIns="0" tIns="46637" rIns="0" bIns="46637" numCol="1" rtlCol="0" anchor="ctr" anchorCtr="0" compatLnSpc="1">
+              <a:prstTxWarp prst="textNoShape">
+                <a:avLst/>
+              </a:prstTxWarp>
+            </a:bodyPr>
+            <a:lstStyle/>
+            <a:p>
+              <a:pPr algn="ctr" defTabSz="932472" fontAlgn="base">
+                <a:spcBef>
+                  <a:spcPct val="0"/>
+                </a:spcBef>
+                <a:spcAft>
+                  <a:spcPct val="0"/>
+                </a:spcAft>
+              </a:pPr>
+              <a:endParaRPr lang="en-US" sz="1600" dirty="0">
+                <a:gradFill>
+                  <a:gsLst>
+                    <a:gs pos="40075">
+                      <a:srgbClr val="FFFFFF"/>
+                    </a:gs>
+                    <a:gs pos="30000">
+                      <a:srgbClr val="FFFFFF"/>
+                    </a:gs>
+                  </a:gsLst>
+                  <a:lin ang="5400000" scaled="0"/>
+                </a:gradFill>
+              </a:endParaRPr>
+            </a:p>
+          </p:txBody>
+        </p:sp>
+      </p:grpSp>
+      <p:grpSp>
+        <p:nvGrpSpPr>
+          <p:cNvPr id="158" name="Group 157">
+            <a:extLst>
+              <a:ext uri="{FF2B5EF4-FFF2-40B4-BE49-F238E27FC236}">
+                <a16:creationId xmlns:a16="http://schemas.microsoft.com/office/drawing/2014/main" id="{C88B00E9-21D7-4786-A56C-D8C8E1B6548D}"/>
+              </a:ext>
+            </a:extLst>
+          </p:cNvPr>
+          <p:cNvGrpSpPr/>
+          <p:nvPr/>
+        </p:nvGrpSpPr>
+        <p:grpSpPr>
+          <a:xfrm>
+            <a:off x="4888423" y="1811416"/>
+            <a:ext cx="1150863" cy="1749102"/>
+            <a:chOff x="5303894" y="4721441"/>
+            <a:chExt cx="1150863" cy="1749102"/>
+          </a:xfrm>
+        </p:grpSpPr>
+        <p:sp>
+          <p:nvSpPr>
+            <p:cNvPr id="159" name="Flowchart: Direct Access Storage 158">
+              <a:extLst>
+                <a:ext uri="{FF2B5EF4-FFF2-40B4-BE49-F238E27FC236}">
+                  <a16:creationId xmlns:a16="http://schemas.microsoft.com/office/drawing/2014/main" id="{E73DA9B8-3421-4ED1-9FD5-D1505187D5C1}"/>
+                </a:ext>
+              </a:extLst>
+            </p:cNvPr>
+            <p:cNvSpPr/>
+            <p:nvPr/>
+          </p:nvSpPr>
+          <p:spPr bwMode="auto">
+            <a:xfrm>
+              <a:off x="5580656" y="4721441"/>
+              <a:ext cx="597339" cy="761824"/>
+            </a:xfrm>
+            <a:prstGeom prst="flowChartMagneticDrum">
+              <a:avLst/>
+            </a:prstGeom>
+            <a:gradFill flip="none" rotWithShape="1">
+              <a:gsLst>
+                <a:gs pos="0">
+                  <a:schemeClr val="accent1">
+                    <a:lumMod val="67000"/>
+                  </a:schemeClr>
+                </a:gs>
+                <a:gs pos="48000">
+                  <a:schemeClr val="accent1">
+                    <a:lumMod val="97000"/>
+                    <a:lumOff val="3000"/>
+                  </a:schemeClr>
+                </a:gs>
+                <a:gs pos="100000">
+                  <a:schemeClr val="accent1">
+                    <a:lumMod val="60000"/>
+                    <a:lumOff val="40000"/>
+                  </a:schemeClr>
+                </a:gs>
+              </a:gsLst>
+              <a:lin ang="16200000" scaled="1"/>
+              <a:tileRect/>
+            </a:gradFill>
+            <a:ln>
+              <a:solidFill>
+                <a:schemeClr val="bg2">
+                  <a:lumMod val="75000"/>
+                </a:schemeClr>
+              </a:solidFill>
+            </a:ln>
+          </p:spPr>
+          <p:style>
+            <a:lnRef idx="0">
+              <a:scrgbClr r="0" g="0" b="0"/>
+            </a:lnRef>
+            <a:fillRef idx="0">
+              <a:scrgbClr r="0" g="0" b="0"/>
+            </a:fillRef>
+            <a:effectRef idx="0">
+              <a:scrgbClr r="0" g="0" b="0"/>
+            </a:effectRef>
+            <a:fontRef idx="minor">
+              <a:schemeClr val="lt1"/>
+            </a:fontRef>
+          </p:style>
+          <p:txBody>
+            <a:bodyPr vert="horz" wrap="square" lIns="0" tIns="46637" rIns="0" bIns="46637" numCol="1" rtlCol="0" anchor="ctr" anchorCtr="0" compatLnSpc="1">
+              <a:prstTxWarp prst="textNoShape">
+                <a:avLst/>
+              </a:prstTxWarp>
+            </a:bodyPr>
+            <a:lstStyle/>
+            <a:p>
+              <a:pPr algn="ctr" defTabSz="932472" fontAlgn="base">
+                <a:spcBef>
+                  <a:spcPct val="0"/>
+                </a:spcBef>
+                <a:spcAft>
+                  <a:spcPct val="0"/>
+                </a:spcAft>
+              </a:pPr>
+              <a:endParaRPr lang="en-US" sz="1600" dirty="0">
+                <a:gradFill>
+                  <a:gsLst>
+                    <a:gs pos="40075">
+                      <a:srgbClr val="FFFFFF"/>
+                    </a:gs>
+                    <a:gs pos="30000">
+                      <a:srgbClr val="FFFFFF"/>
+                    </a:gs>
+                  </a:gsLst>
+                  <a:lin ang="5400000" scaled="0"/>
+                </a:gradFill>
+              </a:endParaRPr>
+            </a:p>
+          </p:txBody>
+        </p:sp>
+        <p:sp>
+          <p:nvSpPr>
+            <p:cNvPr id="160" name="TextBox 159">
+              <a:extLst>
+                <a:ext uri="{FF2B5EF4-FFF2-40B4-BE49-F238E27FC236}">
+                  <a16:creationId xmlns:a16="http://schemas.microsoft.com/office/drawing/2014/main" id="{EC201FD5-2A42-41EC-9BD6-164D884CC288}"/>
+                </a:ext>
+              </a:extLst>
+            </p:cNvPr>
+            <p:cNvSpPr txBox="1"/>
+            <p:nvPr/>
+          </p:nvSpPr>
+          <p:spPr>
+            <a:xfrm>
+              <a:off x="5303894" y="5639546"/>
+              <a:ext cx="1150863" cy="830997"/>
+            </a:xfrm>
+            <a:prstGeom prst="rect">
+              <a:avLst/>
+            </a:prstGeom>
+            <a:noFill/>
+          </p:spPr>
+          <p:txBody>
+            <a:bodyPr wrap="square" rtlCol="0">
+              <a:spAutoFit/>
+            </a:bodyPr>
+            <a:lstStyle/>
+            <a:p>
+              <a:pPr algn="ctr"/>
+              <a:r>
+                <a:rPr lang="en-US" sz="1200" dirty="0"/>
+                <a:t>Run ML Pipeline, </a:t>
+              </a:r>
+              <a:br>
+                <a:rPr lang="en-US" sz="1200" dirty="0"/>
+              </a:br>
+              <a:r>
+                <a:rPr lang="en-US" sz="1200" dirty="0"/>
+                <a:t>Register Model &amp; Container</a:t>
+              </a:r>
+              <a:endParaRPr lang="en-US" sz="1050" dirty="0"/>
+            </a:p>
+          </p:txBody>
+        </p:sp>
+      </p:grpSp>
+      <p:sp>
+        <p:nvSpPr>
+          <p:cNvPr id="183" name="TextBox 182">
+            <a:extLst>
+              <a:ext uri="{FF2B5EF4-FFF2-40B4-BE49-F238E27FC236}">
+                <a16:creationId xmlns:a16="http://schemas.microsoft.com/office/drawing/2014/main" id="{6D28C50E-65D9-4EC6-9C00-898700E8953F}"/>
+              </a:ext>
+            </a:extLst>
+          </p:cNvPr>
+          <p:cNvSpPr txBox="1"/>
+          <p:nvPr/>
+        </p:nvSpPr>
+        <p:spPr>
+          <a:xfrm>
+            <a:off x="6169754" y="2456982"/>
+            <a:ext cx="833844" cy="830997"/>
+          </a:xfrm>
+          <a:prstGeom prst="rect">
+            <a:avLst/>
+          </a:prstGeom>
+          <a:noFill/>
+        </p:spPr>
+        <p:txBody>
+          <a:bodyPr wrap="square" rtlCol="0">
+            <a:spAutoFit/>
+          </a:bodyPr>
+          <a:lstStyle/>
+          <a:p>
+            <a:r>
+              <a:rPr lang="en-US" sz="1200" dirty="0"/>
+              <a:t>Trigger DevOps</a:t>
+            </a:r>
+          </a:p>
+          <a:p>
+            <a:r>
+              <a:rPr lang="en-US" sz="1200" dirty="0"/>
+              <a:t>Release</a:t>
+            </a:r>
+            <a:br>
+              <a:rPr lang="en-US" sz="1200" dirty="0"/>
+            </a:br>
+            <a:r>
+              <a:rPr lang="en-US" sz="1200" dirty="0"/>
+              <a:t>Pipeline</a:t>
+            </a:r>
+          </a:p>
+        </p:txBody>
+      </p:sp>
+      <p:cxnSp>
+        <p:nvCxnSpPr>
+          <p:cNvPr id="184" name="Straight Arrow Connector 183">
+            <a:extLst>
+              <a:ext uri="{FF2B5EF4-FFF2-40B4-BE49-F238E27FC236}">
+                <a16:creationId xmlns:a16="http://schemas.microsoft.com/office/drawing/2014/main" id="{9FF10687-8303-4F55-9B18-B5CBFA4EB94F}"/>
+              </a:ext>
+            </a:extLst>
+          </p:cNvPr>
+          <p:cNvCxnSpPr>
+            <a:cxnSpLocks/>
+          </p:cNvCxnSpPr>
+          <p:nvPr/>
+        </p:nvCxnSpPr>
+        <p:spPr>
+          <a:xfrm>
+            <a:off x="6073215" y="2320751"/>
+            <a:ext cx="852036" cy="0"/>
+          </a:xfrm>
+          <a:prstGeom prst="straightConnector1">
+            <a:avLst/>
+          </a:prstGeom>
+          <a:ln>
+            <a:tailEnd type="triangle"/>
+          </a:ln>
+        </p:spPr>
+        <p:style>
+          <a:lnRef idx="1">
+            <a:schemeClr val="accent1"/>
+          </a:lnRef>
+          <a:fillRef idx="0">
+            <a:schemeClr val="accent1"/>
+          </a:fillRef>
+          <a:effectRef idx="0">
+            <a:schemeClr val="accent1"/>
+          </a:effectRef>
+          <a:fontRef idx="minor">
+            <a:schemeClr val="tx1"/>
+          </a:fontRef>
+        </p:style>
+      </p:cxnSp>
+      <p:sp>
+        <p:nvSpPr>
+          <p:cNvPr id="186" name="TextBox 185">
+            <a:extLst>
+              <a:ext uri="{FF2B5EF4-FFF2-40B4-BE49-F238E27FC236}">
+                <a16:creationId xmlns:a16="http://schemas.microsoft.com/office/drawing/2014/main" id="{12C7FCC0-F0AE-47BC-BFC0-66DEA610A2B7}"/>
+              </a:ext>
+            </a:extLst>
+          </p:cNvPr>
+          <p:cNvSpPr txBox="1"/>
+          <p:nvPr/>
+        </p:nvSpPr>
+        <p:spPr>
+          <a:xfrm>
+            <a:off x="6047083" y="1760493"/>
+            <a:ext cx="833844" cy="461665"/>
+          </a:xfrm>
+          <a:prstGeom prst="rect">
+            <a:avLst/>
+          </a:prstGeom>
+          <a:noFill/>
+        </p:spPr>
+        <p:txBody>
+          <a:bodyPr wrap="square" rtlCol="0">
+            <a:spAutoFit/>
+          </a:bodyPr>
+          <a:lstStyle/>
+          <a:p>
+            <a:pPr algn="ctr"/>
+            <a:r>
+              <a:rPr lang="en-US" sz="1200" dirty="0"/>
+              <a:t>Build Artifacts</a:t>
+            </a:r>
+          </a:p>
+        </p:txBody>
+      </p:sp>
+      <p:sp>
+        <p:nvSpPr>
+          <p:cNvPr id="209" name="Rectangle: Rounded Corners 208">
+            <a:extLst>
+              <a:ext uri="{FF2B5EF4-FFF2-40B4-BE49-F238E27FC236}">
+                <a16:creationId xmlns:a16="http://schemas.microsoft.com/office/drawing/2014/main" id="{325F7E89-F5B2-4F80-8CAC-479DAB7FABFA}"/>
+              </a:ext>
+            </a:extLst>
+          </p:cNvPr>
+          <p:cNvSpPr/>
+          <p:nvPr/>
+        </p:nvSpPr>
+        <p:spPr>
+          <a:xfrm>
+            <a:off x="6947031" y="939732"/>
+            <a:ext cx="2398072" cy="2616350"/>
+          </a:xfrm>
+          <a:prstGeom prst="roundRect">
+            <a:avLst>
+              <a:gd name="adj" fmla="val 6590"/>
+            </a:avLst>
+          </a:prstGeom>
+          <a:solidFill>
+            <a:schemeClr val="bg1"/>
+          </a:solidFill>
+        </p:spPr>
+        <p:style>
+          <a:lnRef idx="2">
+            <a:schemeClr val="accent1">
+              <a:shade val="50000"/>
+            </a:schemeClr>
+          </a:lnRef>
+          <a:fillRef idx="1">
+            <a:schemeClr val="accent1"/>
+          </a:fillRef>
+          <a:effectRef idx="0">
+            <a:schemeClr val="accent1"/>
+          </a:effectRef>
+          <a:fontRef idx="minor">
+            <a:schemeClr val="lt1"/>
+          </a:fontRef>
+        </p:style>
+        <p:txBody>
+          <a:bodyPr rtlCol="0" anchor="ctr"/>
+          <a:lstStyle/>
+          <a:p>
+            <a:pPr algn="ctr"/>
+            <a:endParaRPr lang="en-US"/>
+          </a:p>
+        </p:txBody>
+      </p:sp>
+      <p:grpSp>
+        <p:nvGrpSpPr>
+          <p:cNvPr id="210" name="Group 209">
+            <a:extLst>
+              <a:ext uri="{FF2B5EF4-FFF2-40B4-BE49-F238E27FC236}">
+                <a16:creationId xmlns:a16="http://schemas.microsoft.com/office/drawing/2014/main" id="{ED9F8A11-B7C7-470B-A8E8-D3E457C15CDC}"/>
+              </a:ext>
+            </a:extLst>
+          </p:cNvPr>
+          <p:cNvGrpSpPr/>
+          <p:nvPr/>
+        </p:nvGrpSpPr>
+        <p:grpSpPr>
+          <a:xfrm>
+            <a:off x="7258775" y="987733"/>
+            <a:ext cx="1886650" cy="394606"/>
+            <a:chOff x="4488581" y="3016317"/>
+            <a:chExt cx="1886650" cy="394606"/>
+          </a:xfrm>
+        </p:grpSpPr>
+        <p:pic>
+          <p:nvPicPr>
+            <p:cNvPr id="211" name="Graphic 138">
+              <a:extLst>
+                <a:ext uri="{FF2B5EF4-FFF2-40B4-BE49-F238E27FC236}">
+                  <a16:creationId xmlns:a16="http://schemas.microsoft.com/office/drawing/2014/main" id="{667F85B5-CC1C-4AE9-935E-F63FAA31C033}"/>
+                </a:ext>
+              </a:extLst>
+            </p:cNvPr>
+            <p:cNvPicPr>
+              <a:picLocks noChangeAspect="1"/>
+            </p:cNvPicPr>
+            <p:nvPr/>
+          </p:nvPicPr>
+          <p:blipFill>
+            <a:blip r:embed="rId9">
+              <a:extLst>
+                <a:ext uri="{28A0092B-C50C-407E-A947-70E740481C1C}">
+                  <a14:useLocalDpi xmlns:a14="http://schemas.microsoft.com/office/drawing/2010/main" val="0"/>
+                </a:ext>
+                <a:ext uri="{96DAC541-7B7A-43D3-8B79-37D633B846F1}">
+                  <asvg:svgBlip xmlns:asvg="http://schemas.microsoft.com/office/drawing/2016/SVG/main" r:embed="rId10"/>
+                </a:ext>
+              </a:extLst>
+            </a:blip>
+            <a:stretch>
+              <a:fillRect/>
+            </a:stretch>
+          </p:blipFill>
+          <p:spPr>
+            <a:xfrm>
+              <a:off x="4488581" y="3016317"/>
+              <a:ext cx="394606" cy="394606"/>
+            </a:xfrm>
+            <a:prstGeom prst="rect">
+              <a:avLst/>
+            </a:prstGeom>
+          </p:spPr>
+        </p:pic>
+        <p:sp>
+          <p:nvSpPr>
+            <p:cNvPr id="217" name="TextBox 216">
+              <a:extLst>
+                <a:ext uri="{FF2B5EF4-FFF2-40B4-BE49-F238E27FC236}">
+                  <a16:creationId xmlns:a16="http://schemas.microsoft.com/office/drawing/2014/main" id="{6066A6F6-6854-493C-92E1-FB2A04AD89CA}"/>
+                </a:ext>
+              </a:extLst>
+            </p:cNvPr>
+            <p:cNvSpPr txBox="1"/>
+            <p:nvPr/>
+          </p:nvSpPr>
+          <p:spPr>
+            <a:xfrm>
+              <a:off x="4914810" y="3038616"/>
+              <a:ext cx="1460421" cy="307777"/>
+            </a:xfrm>
+            <a:prstGeom prst="rect">
+              <a:avLst/>
+            </a:prstGeom>
+            <a:noFill/>
+          </p:spPr>
+          <p:txBody>
+            <a:bodyPr wrap="square" rtlCol="0">
+              <a:spAutoFit/>
+            </a:bodyPr>
+            <a:lstStyle/>
+            <a:p>
+              <a:r>
+                <a:rPr lang="en-US" sz="1400" b="1" dirty="0"/>
+                <a:t>Azure DevOps</a:t>
+              </a:r>
+              <a:endParaRPr lang="en-US" sz="1100" b="1" dirty="0"/>
+            </a:p>
+          </p:txBody>
+        </p:sp>
+      </p:grpSp>
+      <p:sp>
+        <p:nvSpPr>
+          <p:cNvPr id="219" name="Rectangle: Rounded Corners 218">
+            <a:extLst>
+              <a:ext uri="{FF2B5EF4-FFF2-40B4-BE49-F238E27FC236}">
+                <a16:creationId xmlns:a16="http://schemas.microsoft.com/office/drawing/2014/main" id="{B4E2ED7C-7E72-4BD8-9EF9-120B51AB50CD}"/>
+              </a:ext>
+            </a:extLst>
+          </p:cNvPr>
+          <p:cNvSpPr/>
+          <p:nvPr/>
+        </p:nvSpPr>
+        <p:spPr bwMode="auto">
+          <a:xfrm>
+            <a:off x="7024009" y="1753356"/>
+            <a:ext cx="2220409" cy="934456"/>
+          </a:xfrm>
+          <a:prstGeom prst="roundRect">
+            <a:avLst>
+              <a:gd name="adj" fmla="val 17014"/>
+            </a:avLst>
+          </a:prstGeom>
+          <a:noFill/>
+          <a:ln>
+            <a:solidFill>
+              <a:schemeClr val="bg2">
+                <a:lumMod val="75000"/>
+              </a:schemeClr>
+            </a:solidFill>
+            <a:prstDash val="dash"/>
+            <a:headEnd type="none" w="med" len="med"/>
+            <a:tailEnd type="none" w="med" len="med"/>
+          </a:ln>
+        </p:spPr>
+        <p:style>
+          <a:lnRef idx="2">
+            <a:schemeClr val="accent1">
+              <a:shade val="50000"/>
+            </a:schemeClr>
+          </a:lnRef>
+          <a:fillRef idx="1">
+            <a:schemeClr val="accent1"/>
+          </a:fillRef>
+          <a:effectRef idx="0">
+            <a:schemeClr val="accent1"/>
+          </a:effectRef>
+          <a:fontRef idx="minor">
+            <a:schemeClr val="lt1"/>
+          </a:fontRef>
+        </p:style>
+        <p:txBody>
+          <a:bodyPr vert="horz" wrap="square" lIns="0" tIns="46637" rIns="0" bIns="46637" numCol="1" rtlCol="0" anchor="ctr" anchorCtr="0" compatLnSpc="1">
+            <a:prstTxWarp prst="textNoShape">
+              <a:avLst/>
+            </a:prstTxWarp>
+          </a:bodyPr>
+          <a:lstStyle/>
+          <a:p>
+            <a:pPr algn="ctr" defTabSz="932472" fontAlgn="base">
+              <a:spcBef>
+                <a:spcPct val="0"/>
+              </a:spcBef>
+              <a:spcAft>
+                <a:spcPct val="0"/>
+              </a:spcAft>
+            </a:pPr>
+            <a:endParaRPr lang="en-US" sz="1600" dirty="0">
+              <a:gradFill>
+                <a:gsLst>
+                  <a:gs pos="40075">
+                    <a:srgbClr val="FFFFFF"/>
+                  </a:gs>
+                  <a:gs pos="30000">
+                    <a:srgbClr val="FFFFFF"/>
+                  </a:gs>
+                </a:gsLst>
+                <a:lin ang="5400000" scaled="0"/>
+              </a:gradFill>
+            </a:endParaRPr>
+          </a:p>
+        </p:txBody>
+      </p:sp>
+      <p:cxnSp>
+        <p:nvCxnSpPr>
+          <p:cNvPr id="240" name="Straight Arrow Connector 239">
+            <a:extLst>
+              <a:ext uri="{FF2B5EF4-FFF2-40B4-BE49-F238E27FC236}">
+                <a16:creationId xmlns:a16="http://schemas.microsoft.com/office/drawing/2014/main" id="{F5D39F6F-C656-47BE-9D99-1104D6FE2C74}"/>
+              </a:ext>
+            </a:extLst>
+          </p:cNvPr>
+          <p:cNvCxnSpPr>
+            <a:cxnSpLocks/>
+            <a:stCxn id="248" idx="4"/>
+          </p:cNvCxnSpPr>
+          <p:nvPr/>
+        </p:nvCxnSpPr>
+        <p:spPr>
+          <a:xfrm>
+            <a:off x="7737264" y="2230700"/>
+            <a:ext cx="819030" cy="0"/>
+          </a:xfrm>
+          <a:prstGeom prst="straightConnector1">
+            <a:avLst/>
+          </a:prstGeom>
+          <a:ln>
+            <a:tailEnd type="triangle"/>
+          </a:ln>
+        </p:spPr>
+        <p:style>
+          <a:lnRef idx="1">
+            <a:schemeClr val="accent1"/>
+          </a:lnRef>
+          <a:fillRef idx="0">
+            <a:schemeClr val="accent1"/>
+          </a:fillRef>
+          <a:effectRef idx="0">
+            <a:schemeClr val="accent1"/>
+          </a:effectRef>
+          <a:fontRef idx="minor">
+            <a:schemeClr val="tx1"/>
+          </a:fontRef>
+        </p:style>
+      </p:cxnSp>
+      <p:grpSp>
+        <p:nvGrpSpPr>
+          <p:cNvPr id="220" name="Group 219">
+            <a:extLst>
+              <a:ext uri="{FF2B5EF4-FFF2-40B4-BE49-F238E27FC236}">
+                <a16:creationId xmlns:a16="http://schemas.microsoft.com/office/drawing/2014/main" id="{FCA32B50-E499-4F21-9884-DE873C2E2483}"/>
+              </a:ext>
+            </a:extLst>
+          </p:cNvPr>
+          <p:cNvGrpSpPr/>
+          <p:nvPr/>
+        </p:nvGrpSpPr>
+        <p:grpSpPr>
+          <a:xfrm>
+            <a:off x="7596183" y="1849788"/>
+            <a:ext cx="1150863" cy="1354498"/>
+            <a:chOff x="2116019" y="4721441"/>
+            <a:chExt cx="1150863" cy="1354498"/>
+          </a:xfrm>
+        </p:grpSpPr>
+        <p:sp>
+          <p:nvSpPr>
+            <p:cNvPr id="236" name="TextBox 235">
+              <a:extLst>
+                <a:ext uri="{FF2B5EF4-FFF2-40B4-BE49-F238E27FC236}">
+                  <a16:creationId xmlns:a16="http://schemas.microsoft.com/office/drawing/2014/main" id="{4F804355-FF6E-4F08-9D27-F245EB3733A8}"/>
+                </a:ext>
+              </a:extLst>
+            </p:cNvPr>
+            <p:cNvSpPr txBox="1"/>
+            <p:nvPr/>
+          </p:nvSpPr>
+          <p:spPr>
+            <a:xfrm>
+              <a:off x="2116019" y="5614274"/>
+              <a:ext cx="1150863" cy="461665"/>
+            </a:xfrm>
+            <a:prstGeom prst="rect">
+              <a:avLst/>
+            </a:prstGeom>
+            <a:noFill/>
+          </p:spPr>
+          <p:txBody>
+            <a:bodyPr wrap="square" rtlCol="0">
+              <a:spAutoFit/>
+            </a:bodyPr>
+            <a:lstStyle/>
+            <a:p>
+              <a:pPr algn="ctr"/>
+              <a:r>
+                <a:rPr lang="en-US" sz="1200" dirty="0"/>
+                <a:t>Create</a:t>
+              </a:r>
+              <a:br>
+                <a:rPr lang="en-US" sz="1200" dirty="0"/>
+              </a:br>
+              <a:r>
+                <a:rPr lang="en-US" sz="1200" dirty="0"/>
+                <a:t>Linux VM</a:t>
+              </a:r>
+              <a:endParaRPr lang="en-US" sz="1050" dirty="0"/>
+            </a:p>
+          </p:txBody>
+        </p:sp>
+        <p:sp>
+          <p:nvSpPr>
+            <p:cNvPr id="239" name="Flowchart: Direct Access Storage 238">
+              <a:extLst>
+                <a:ext uri="{FF2B5EF4-FFF2-40B4-BE49-F238E27FC236}">
+                  <a16:creationId xmlns:a16="http://schemas.microsoft.com/office/drawing/2014/main" id="{67F8A2FB-8547-438C-9D15-0729CA97910B}"/>
+                </a:ext>
+              </a:extLst>
+            </p:cNvPr>
+            <p:cNvSpPr/>
+            <p:nvPr/>
+          </p:nvSpPr>
+          <p:spPr bwMode="auto">
+            <a:xfrm>
+              <a:off x="2392781" y="4721441"/>
+              <a:ext cx="597339" cy="761824"/>
+            </a:xfrm>
+            <a:prstGeom prst="flowChartMagneticDrum">
+              <a:avLst/>
+            </a:prstGeom>
+            <a:gradFill flip="none" rotWithShape="1">
+              <a:gsLst>
+                <a:gs pos="0">
+                  <a:schemeClr val="accent1">
+                    <a:lumMod val="67000"/>
+                  </a:schemeClr>
+                </a:gs>
+                <a:gs pos="48000">
+                  <a:schemeClr val="accent1">
+                    <a:lumMod val="97000"/>
+                    <a:lumOff val="3000"/>
+                  </a:schemeClr>
+                </a:gs>
+                <a:gs pos="100000">
+                  <a:schemeClr val="accent1">
+                    <a:lumMod val="60000"/>
+                    <a:lumOff val="40000"/>
+                  </a:schemeClr>
+                </a:gs>
+              </a:gsLst>
+              <a:lin ang="16200000" scaled="1"/>
+              <a:tileRect/>
+            </a:gradFill>
+            <a:ln>
+              <a:solidFill>
+                <a:schemeClr val="bg2">
+                  <a:lumMod val="75000"/>
+                </a:schemeClr>
+              </a:solidFill>
+            </a:ln>
+          </p:spPr>
+          <p:style>
+            <a:lnRef idx="0">
+              <a:scrgbClr r="0" g="0" b="0"/>
+            </a:lnRef>
+            <a:fillRef idx="0">
+              <a:scrgbClr r="0" g="0" b="0"/>
+            </a:fillRef>
+            <a:effectRef idx="0">
+              <a:scrgbClr r="0" g="0" b="0"/>
+            </a:effectRef>
+            <a:fontRef idx="minor">
+              <a:schemeClr val="lt1"/>
+            </a:fontRef>
+          </p:style>
+          <p:txBody>
+            <a:bodyPr vert="horz" wrap="square" lIns="0" tIns="46637" rIns="0" bIns="46637" numCol="1" rtlCol="0" anchor="ctr" anchorCtr="0" compatLnSpc="1">
+              <a:prstTxWarp prst="textNoShape">
+                <a:avLst/>
+              </a:prstTxWarp>
+            </a:bodyPr>
+            <a:lstStyle/>
+            <a:p>
+              <a:pPr algn="ctr" defTabSz="932472" fontAlgn="base">
+                <a:spcBef>
+                  <a:spcPct val="0"/>
+                </a:spcBef>
+                <a:spcAft>
+                  <a:spcPct val="0"/>
+                </a:spcAft>
+              </a:pPr>
+              <a:endParaRPr lang="en-US" sz="1600" dirty="0">
+                <a:gradFill>
+                  <a:gsLst>
+                    <a:gs pos="40075">
+                      <a:srgbClr val="FFFFFF"/>
+                    </a:gs>
+                    <a:gs pos="30000">
+                      <a:srgbClr val="FFFFFF"/>
+                    </a:gs>
+                  </a:gsLst>
+                  <a:lin ang="5400000" scaled="0"/>
+                </a:gradFill>
+              </a:endParaRPr>
+            </a:p>
+          </p:txBody>
+        </p:sp>
+      </p:grpSp>
+      <p:grpSp>
+        <p:nvGrpSpPr>
+          <p:cNvPr id="241" name="Group 240">
+            <a:extLst>
+              <a:ext uri="{FF2B5EF4-FFF2-40B4-BE49-F238E27FC236}">
+                <a16:creationId xmlns:a16="http://schemas.microsoft.com/office/drawing/2014/main" id="{01F24B0F-EF56-418C-9262-C6C1D11277CD}"/>
+              </a:ext>
+            </a:extLst>
+          </p:cNvPr>
+          <p:cNvGrpSpPr/>
+          <p:nvPr/>
+        </p:nvGrpSpPr>
+        <p:grpSpPr>
+          <a:xfrm>
+            <a:off x="8279532" y="1849788"/>
+            <a:ext cx="1150863" cy="1549972"/>
+            <a:chOff x="3377050" y="4721441"/>
+            <a:chExt cx="1150863" cy="1549972"/>
+          </a:xfrm>
+        </p:grpSpPr>
+        <p:sp>
+          <p:nvSpPr>
+            <p:cNvPr id="242" name="Flowchart: Direct Access Storage 241">
+              <a:extLst>
+                <a:ext uri="{FF2B5EF4-FFF2-40B4-BE49-F238E27FC236}">
+                  <a16:creationId xmlns:a16="http://schemas.microsoft.com/office/drawing/2014/main" id="{728FD28D-1D90-4802-9647-95F77F991903}"/>
+                </a:ext>
+              </a:extLst>
+            </p:cNvPr>
+            <p:cNvSpPr/>
+            <p:nvPr/>
+          </p:nvSpPr>
+          <p:spPr bwMode="auto">
+            <a:xfrm>
+              <a:off x="3653812" y="4721441"/>
+              <a:ext cx="597339" cy="761824"/>
+            </a:xfrm>
+            <a:prstGeom prst="flowChartMagneticDrum">
+              <a:avLst/>
+            </a:prstGeom>
+            <a:gradFill flip="none" rotWithShape="1">
+              <a:gsLst>
+                <a:gs pos="0">
+                  <a:schemeClr val="accent1">
+                    <a:lumMod val="67000"/>
+                  </a:schemeClr>
+                </a:gs>
+                <a:gs pos="48000">
+                  <a:schemeClr val="accent1">
+                    <a:lumMod val="97000"/>
+                    <a:lumOff val="3000"/>
+                  </a:schemeClr>
+                </a:gs>
+                <a:gs pos="100000">
+                  <a:schemeClr val="accent1">
+                    <a:lumMod val="60000"/>
+                    <a:lumOff val="40000"/>
+                  </a:schemeClr>
+                </a:gs>
+              </a:gsLst>
+              <a:lin ang="16200000" scaled="1"/>
+              <a:tileRect/>
+            </a:gradFill>
+            <a:ln>
+              <a:solidFill>
+                <a:schemeClr val="bg2">
+                  <a:lumMod val="75000"/>
+                </a:schemeClr>
+              </a:solidFill>
+            </a:ln>
+          </p:spPr>
+          <p:style>
+            <a:lnRef idx="0">
+              <a:scrgbClr r="0" g="0" b="0"/>
+            </a:lnRef>
+            <a:fillRef idx="0">
+              <a:scrgbClr r="0" g="0" b="0"/>
+            </a:fillRef>
+            <a:effectRef idx="0">
+              <a:scrgbClr r="0" g="0" b="0"/>
+            </a:effectRef>
+            <a:fontRef idx="minor">
+              <a:schemeClr val="lt1"/>
+            </a:fontRef>
+          </p:style>
+          <p:txBody>
+            <a:bodyPr vert="horz" wrap="square" lIns="0" tIns="46637" rIns="0" bIns="46637" numCol="1" rtlCol="0" anchor="ctr" anchorCtr="0" compatLnSpc="1">
+              <a:prstTxWarp prst="textNoShape">
+                <a:avLst/>
+              </a:prstTxWarp>
+            </a:bodyPr>
+            <a:lstStyle/>
+            <a:p>
+              <a:pPr algn="ctr" defTabSz="932472" fontAlgn="base">
+                <a:spcBef>
+                  <a:spcPct val="0"/>
+                </a:spcBef>
+                <a:spcAft>
+                  <a:spcPct val="0"/>
+                </a:spcAft>
+              </a:pPr>
+              <a:endParaRPr lang="en-US" sz="1600" dirty="0">
+                <a:gradFill>
+                  <a:gsLst>
+                    <a:gs pos="40075">
+                      <a:srgbClr val="FFFFFF"/>
+                    </a:gs>
+                    <a:gs pos="30000">
+                      <a:srgbClr val="FFFFFF"/>
+                    </a:gs>
+                  </a:gsLst>
+                  <a:lin ang="5400000" scaled="0"/>
+                </a:gradFill>
+              </a:endParaRPr>
+            </a:p>
+          </p:txBody>
+        </p:sp>
+        <p:sp>
+          <p:nvSpPr>
+            <p:cNvPr id="243" name="TextBox 242">
+              <a:extLst>
+                <a:ext uri="{FF2B5EF4-FFF2-40B4-BE49-F238E27FC236}">
+                  <a16:creationId xmlns:a16="http://schemas.microsoft.com/office/drawing/2014/main" id="{C1E8132C-7555-4746-B7E7-39AB76A635A6}"/>
+                </a:ext>
+              </a:extLst>
+            </p:cNvPr>
+            <p:cNvSpPr txBox="1"/>
+            <p:nvPr/>
+          </p:nvSpPr>
+          <p:spPr>
+            <a:xfrm>
+              <a:off x="3377050" y="5625082"/>
+              <a:ext cx="1150863" cy="646331"/>
+            </a:xfrm>
+            <a:prstGeom prst="rect">
+              <a:avLst/>
+            </a:prstGeom>
+            <a:noFill/>
+          </p:spPr>
+          <p:txBody>
+            <a:bodyPr wrap="square" rtlCol="0">
+              <a:spAutoFit/>
+            </a:bodyPr>
+            <a:lstStyle/>
+            <a:p>
+              <a:pPr algn="ctr"/>
+              <a:r>
+                <a:rPr lang="en-US" sz="1200" dirty="0"/>
+                <a:t>Deploy</a:t>
+              </a:r>
+              <a:br>
+                <a:rPr lang="en-US" sz="1200" dirty="0"/>
+              </a:br>
+              <a:r>
+                <a:rPr lang="en-US" sz="1200" dirty="0"/>
+                <a:t>AKS</a:t>
+              </a:r>
+              <a:br>
+                <a:rPr lang="en-US" sz="1200" dirty="0"/>
+              </a:br>
+              <a:r>
+                <a:rPr lang="en-US" sz="1200" dirty="0"/>
+                <a:t>Web Service</a:t>
+              </a:r>
+              <a:endParaRPr lang="en-US" sz="1050" dirty="0"/>
+            </a:p>
+          </p:txBody>
+        </p:sp>
+      </p:grpSp>
+      <p:sp>
+        <p:nvSpPr>
+          <p:cNvPr id="244" name="TextBox 243">
+            <a:extLst>
+              <a:ext uri="{FF2B5EF4-FFF2-40B4-BE49-F238E27FC236}">
+                <a16:creationId xmlns:a16="http://schemas.microsoft.com/office/drawing/2014/main" id="{AF744C4A-52AA-4B16-BAEA-93457B092118}"/>
+              </a:ext>
+            </a:extLst>
+          </p:cNvPr>
+          <p:cNvSpPr txBox="1"/>
+          <p:nvPr/>
+        </p:nvSpPr>
+        <p:spPr>
+          <a:xfrm>
+            <a:off x="7129563" y="1303045"/>
+            <a:ext cx="2196502" cy="461665"/>
+          </a:xfrm>
+          <a:prstGeom prst="rect">
+            <a:avLst/>
+          </a:prstGeom>
+          <a:noFill/>
+        </p:spPr>
+        <p:txBody>
+          <a:bodyPr wrap="square" rtlCol="0">
+            <a:spAutoFit/>
+          </a:bodyPr>
+          <a:lstStyle/>
+          <a:p>
+            <a:pPr algn="ctr"/>
+            <a:r>
+              <a:rPr lang="en-US" sz="1400" dirty="0"/>
+              <a:t>DevOps </a:t>
+            </a:r>
+            <a:r>
+              <a:rPr lang="en-US" sz="1400" dirty="0">
+                <a:solidFill>
+                  <a:schemeClr val="accent6"/>
+                </a:solidFill>
+              </a:rPr>
+              <a:t>Release</a:t>
+            </a:r>
+            <a:r>
+              <a:rPr lang="en-US" sz="1400" dirty="0"/>
+              <a:t> Pipeline</a:t>
+            </a:r>
+            <a:endParaRPr lang="en-US" sz="1100" dirty="0"/>
+          </a:p>
+          <a:p>
+            <a:pPr algn="ctr"/>
+            <a:r>
+              <a:rPr lang="en-US" sz="1000" dirty="0"/>
+              <a:t>Production</a:t>
+            </a:r>
+          </a:p>
+        </p:txBody>
+      </p:sp>
+      <p:cxnSp>
+        <p:nvCxnSpPr>
+          <p:cNvPr id="13" name="Connector: Elbow 12">
+            <a:extLst>
+              <a:ext uri="{FF2B5EF4-FFF2-40B4-BE49-F238E27FC236}">
+                <a16:creationId xmlns:a16="http://schemas.microsoft.com/office/drawing/2014/main" id="{4987ED31-CB18-4133-A042-7D7287EF3311}"/>
+              </a:ext>
+            </a:extLst>
+          </p:cNvPr>
+          <p:cNvCxnSpPr>
+            <a:cxnSpLocks/>
+            <a:stCxn id="166" idx="2"/>
+            <a:endCxn id="279" idx="1"/>
+          </p:cNvCxnSpPr>
+          <p:nvPr/>
+        </p:nvCxnSpPr>
+        <p:spPr>
+          <a:xfrm rot="16200000" flipH="1">
+            <a:off x="313866" y="1919667"/>
+            <a:ext cx="1041246" cy="212799"/>
+          </a:xfrm>
+          <a:prstGeom prst="bentConnector2">
+            <a:avLst/>
+          </a:prstGeom>
+          <a:ln>
+            <a:tailEnd type="triangle"/>
+          </a:ln>
+        </p:spPr>
+        <p:style>
+          <a:lnRef idx="1">
+            <a:schemeClr val="accent1"/>
+          </a:lnRef>
+          <a:fillRef idx="0">
+            <a:schemeClr val="accent1"/>
+          </a:fillRef>
+          <a:effectRef idx="0">
+            <a:schemeClr val="accent1"/>
+          </a:effectRef>
+          <a:fontRef idx="minor">
+            <a:schemeClr val="tx1"/>
+          </a:fontRef>
+        </p:style>
+      </p:cxnSp>
+      <p:cxnSp>
+        <p:nvCxnSpPr>
+          <p:cNvPr id="22" name="Connector: Elbow 21">
+            <a:extLst>
+              <a:ext uri="{FF2B5EF4-FFF2-40B4-BE49-F238E27FC236}">
+                <a16:creationId xmlns:a16="http://schemas.microsoft.com/office/drawing/2014/main" id="{AF7A569C-3B4D-4575-B17E-83B940AA80B0}"/>
+              </a:ext>
+            </a:extLst>
+          </p:cNvPr>
+          <p:cNvCxnSpPr>
+            <a:cxnSpLocks/>
+            <a:stCxn id="279" idx="2"/>
+            <a:endCxn id="117" idx="1"/>
+          </p:cNvCxnSpPr>
+          <p:nvPr/>
+        </p:nvCxnSpPr>
+        <p:spPr>
+          <a:xfrm rot="5400000" flipH="1" flipV="1">
+            <a:off x="1643132" y="2112685"/>
+            <a:ext cx="752653" cy="946354"/>
+          </a:xfrm>
+          <a:prstGeom prst="bentConnector4">
+            <a:avLst>
+              <a:gd name="adj1" fmla="val -30373"/>
+              <a:gd name="adj2" fmla="val 81985"/>
+            </a:avLst>
+          </a:prstGeom>
+          <a:ln>
+            <a:tailEnd type="triangle"/>
+          </a:ln>
+        </p:spPr>
+        <p:style>
+          <a:lnRef idx="1">
+            <a:schemeClr val="accent1"/>
+          </a:lnRef>
+          <a:fillRef idx="0">
+            <a:schemeClr val="accent1"/>
+          </a:fillRef>
+          <a:effectRef idx="0">
+            <a:schemeClr val="accent1"/>
+          </a:effectRef>
+          <a:fontRef idx="minor">
+            <a:schemeClr val="tx1"/>
+          </a:fontRef>
+        </p:style>
+      </p:cxnSp>
+      <p:sp>
+        <p:nvSpPr>
+          <p:cNvPr id="247" name="TextBox 246">
+            <a:extLst>
+              <a:ext uri="{FF2B5EF4-FFF2-40B4-BE49-F238E27FC236}">
+                <a16:creationId xmlns:a16="http://schemas.microsoft.com/office/drawing/2014/main" id="{A58F39ED-9728-43FC-90EB-9CBF327E3B0D}"/>
+              </a:ext>
+            </a:extLst>
+          </p:cNvPr>
+          <p:cNvSpPr txBox="1"/>
+          <p:nvPr/>
+        </p:nvSpPr>
+        <p:spPr>
+          <a:xfrm>
+            <a:off x="6834588" y="2742621"/>
+            <a:ext cx="1150863" cy="646331"/>
+          </a:xfrm>
+          <a:prstGeom prst="rect">
+            <a:avLst/>
+          </a:prstGeom>
+          <a:noFill/>
+        </p:spPr>
+        <p:txBody>
+          <a:bodyPr wrap="square" rtlCol="0">
+            <a:spAutoFit/>
+          </a:bodyPr>
+          <a:lstStyle/>
+          <a:p>
+            <a:pPr algn="ctr"/>
+            <a:r>
+              <a:rPr lang="en-US" sz="1200" dirty="0"/>
+              <a:t>Pre-</a:t>
+            </a:r>
+            <a:br>
+              <a:rPr lang="en-US" sz="1200" dirty="0"/>
+            </a:br>
+            <a:r>
+              <a:rPr lang="en-US" sz="1200" dirty="0"/>
+              <a:t>Deployment</a:t>
+            </a:r>
+            <a:br>
+              <a:rPr lang="en-US" sz="1200" dirty="0"/>
+            </a:br>
+            <a:r>
+              <a:rPr lang="en-US" sz="1200" dirty="0"/>
+              <a:t>Approval</a:t>
+            </a:r>
+            <a:endParaRPr lang="en-US" sz="1050" dirty="0"/>
+          </a:p>
+        </p:txBody>
+      </p:sp>
+      <p:sp>
+        <p:nvSpPr>
+          <p:cNvPr id="248" name="Flowchart: Direct Access Storage 247">
+            <a:extLst>
+              <a:ext uri="{FF2B5EF4-FFF2-40B4-BE49-F238E27FC236}">
+                <a16:creationId xmlns:a16="http://schemas.microsoft.com/office/drawing/2014/main" id="{388BF7D2-A005-41B0-B007-9D7EB73A2F1A}"/>
+              </a:ext>
+            </a:extLst>
+          </p:cNvPr>
+          <p:cNvSpPr/>
+          <p:nvPr/>
+        </p:nvSpPr>
+        <p:spPr bwMode="auto">
+          <a:xfrm>
+            <a:off x="7139925" y="1849788"/>
+            <a:ext cx="597339" cy="761824"/>
+          </a:xfrm>
+          <a:prstGeom prst="flowChartMagneticDrum">
+            <a:avLst/>
+          </a:prstGeom>
+          <a:gradFill flip="none" rotWithShape="1">
+            <a:gsLst>
+              <a:gs pos="0">
+                <a:schemeClr val="accent1">
+                  <a:lumMod val="67000"/>
+                </a:schemeClr>
+              </a:gs>
+              <a:gs pos="48000">
+                <a:schemeClr val="accent1">
+                  <a:lumMod val="97000"/>
+                  <a:lumOff val="3000"/>
+                </a:schemeClr>
+              </a:gs>
+              <a:gs pos="100000">
+                <a:schemeClr val="accent1">
+                  <a:lumMod val="60000"/>
+                  <a:lumOff val="40000"/>
+                </a:schemeClr>
+              </a:gs>
+            </a:gsLst>
+            <a:lin ang="16200000" scaled="1"/>
+            <a:tileRect/>
+          </a:gradFill>
+          <a:ln>
+            <a:solidFill>
+              <a:schemeClr val="bg2">
+                <a:lumMod val="75000"/>
+              </a:schemeClr>
+            </a:solidFill>
+          </a:ln>
+        </p:spPr>
+        <p:style>
+          <a:lnRef idx="0">
+            <a:scrgbClr r="0" g="0" b="0"/>
+          </a:lnRef>
+          <a:fillRef idx="0">
+            <a:scrgbClr r="0" g="0" b="0"/>
+          </a:fillRef>
+          <a:effectRef idx="0">
+            <a:scrgbClr r="0" g="0" b="0"/>
+          </a:effectRef>
+          <a:fontRef idx="minor">
+            <a:schemeClr val="lt1"/>
+          </a:fontRef>
+        </p:style>
+        <p:txBody>
+          <a:bodyPr vert="horz" wrap="square" lIns="0" tIns="46637" rIns="0" bIns="46637" numCol="1" rtlCol="0" anchor="ctr" anchorCtr="0" compatLnSpc="1">
+            <a:prstTxWarp prst="textNoShape">
+              <a:avLst/>
+            </a:prstTxWarp>
+          </a:bodyPr>
+          <a:lstStyle/>
+          <a:p>
+            <a:pPr algn="ctr" defTabSz="932472" fontAlgn="base">
+              <a:spcBef>
+                <a:spcPct val="0"/>
+              </a:spcBef>
+              <a:spcAft>
+                <a:spcPct val="0"/>
+              </a:spcAft>
+            </a:pPr>
+            <a:endParaRPr lang="en-US" sz="1600" dirty="0">
+              <a:gradFill>
+                <a:gsLst>
+                  <a:gs pos="40075">
+                    <a:srgbClr val="FFFFFF"/>
+                  </a:gs>
+                  <a:gs pos="30000">
+                    <a:srgbClr val="FFFFFF"/>
+                  </a:gs>
+                </a:gsLst>
+                <a:lin ang="5400000" scaled="0"/>
+              </a:gradFill>
+            </a:endParaRPr>
+          </a:p>
+        </p:txBody>
+      </p:sp>
+      <p:cxnSp>
+        <p:nvCxnSpPr>
+          <p:cNvPr id="249" name="Connector: Elbow 248">
+            <a:extLst>
+              <a:ext uri="{FF2B5EF4-FFF2-40B4-BE49-F238E27FC236}">
+                <a16:creationId xmlns:a16="http://schemas.microsoft.com/office/drawing/2014/main" id="{9B960F05-7E20-4D24-8A11-4B5FAF4BBF83}"/>
+              </a:ext>
+            </a:extLst>
+          </p:cNvPr>
+          <p:cNvCxnSpPr>
+            <a:stCxn id="160" idx="2"/>
+            <a:endCxn id="127" idx="0"/>
+          </p:cNvCxnSpPr>
+          <p:nvPr/>
+        </p:nvCxnSpPr>
+        <p:spPr>
+          <a:xfrm rot="5400000">
+            <a:off x="4743159" y="3514258"/>
+            <a:ext cx="674436" cy="766956"/>
+          </a:xfrm>
+          <a:prstGeom prst="bentConnector3">
+            <a:avLst/>
+          </a:prstGeom>
+          <a:ln>
+            <a:tailEnd type="triangle"/>
+          </a:ln>
+        </p:spPr>
+        <p:style>
+          <a:lnRef idx="1">
+            <a:schemeClr val="accent1"/>
+          </a:lnRef>
+          <a:fillRef idx="0">
+            <a:schemeClr val="accent1"/>
+          </a:fillRef>
+          <a:effectRef idx="0">
+            <a:schemeClr val="accent1"/>
+          </a:effectRef>
+          <a:fontRef idx="minor">
+            <a:schemeClr val="tx1"/>
+          </a:fontRef>
+        </p:style>
+      </p:cxnSp>
+      <p:cxnSp>
+        <p:nvCxnSpPr>
+          <p:cNvPr id="250" name="Connector: Elbow 249">
+            <a:extLst>
+              <a:ext uri="{FF2B5EF4-FFF2-40B4-BE49-F238E27FC236}">
+                <a16:creationId xmlns:a16="http://schemas.microsoft.com/office/drawing/2014/main" id="{25D1C612-0FBC-4B44-A118-3CA5B57161C4}"/>
+              </a:ext>
+            </a:extLst>
+          </p:cNvPr>
+          <p:cNvCxnSpPr>
+            <a:cxnSpLocks/>
+            <a:stCxn id="160" idx="2"/>
+            <a:endCxn id="213" idx="0"/>
+          </p:cNvCxnSpPr>
+          <p:nvPr/>
+        </p:nvCxnSpPr>
+        <p:spPr>
+          <a:xfrm rot="16200000" flipH="1">
+            <a:off x="5484818" y="3539555"/>
+            <a:ext cx="678922" cy="720848"/>
+          </a:xfrm>
+          <a:prstGeom prst="bentConnector3">
+            <a:avLst/>
+          </a:prstGeom>
+          <a:ln>
+            <a:tailEnd type="triangle"/>
+          </a:ln>
+        </p:spPr>
+        <p:style>
+          <a:lnRef idx="1">
+            <a:schemeClr val="accent1"/>
+          </a:lnRef>
+          <a:fillRef idx="0">
+            <a:schemeClr val="accent1"/>
+          </a:fillRef>
+          <a:effectRef idx="0">
+            <a:schemeClr val="accent1"/>
+          </a:effectRef>
+          <a:fontRef idx="minor">
+            <a:schemeClr val="tx1"/>
+          </a:fontRef>
+        </p:style>
+      </p:cxnSp>
+      <p:sp>
+        <p:nvSpPr>
+          <p:cNvPr id="185" name="Cube 184">
+            <a:extLst>
+              <a:ext uri="{FF2B5EF4-FFF2-40B4-BE49-F238E27FC236}">
+                <a16:creationId xmlns:a16="http://schemas.microsoft.com/office/drawing/2014/main" id="{E57F85C4-E8DE-43E4-8754-14F3BE07DF6D}"/>
+              </a:ext>
+            </a:extLst>
+          </p:cNvPr>
+          <p:cNvSpPr/>
+          <p:nvPr/>
+        </p:nvSpPr>
+        <p:spPr bwMode="auto">
+          <a:xfrm>
+            <a:off x="6336686" y="2199101"/>
+            <a:ext cx="288858" cy="239737"/>
+          </a:xfrm>
+          <a:prstGeom prst="cube">
+            <a:avLst/>
+          </a:prstGeom>
+          <a:solidFill>
+            <a:schemeClr val="accent1"/>
+          </a:solidFill>
+          <a:ln w="10795" cap="flat" cmpd="sng" algn="ctr">
+            <a:noFill/>
+            <a:prstDash val="solid"/>
+            <a:headEnd type="none" w="med" len="med"/>
+            <a:tailEnd type="none" w="med" len="med"/>
+          </a:ln>
+          <a:effectLst/>
+        </p:spPr>
+        <p:txBody>
+          <a:bodyPr vert="horz" wrap="square" lIns="0" tIns="46637" rIns="0" bIns="46637" numCol="1" rtlCol="0" anchor="ctr" anchorCtr="0" compatLnSpc="1">
+            <a:prstTxWarp prst="textNoShape">
+              <a:avLst/>
+            </a:prstTxWarp>
+          </a:bodyPr>
+          <a:lstStyle/>
+          <a:p>
+            <a:pPr marL="0" marR="0" lvl="0" indent="0" algn="ctr" defTabSz="932472" eaLnBrk="1" fontAlgn="base" latinLnBrk="0" hangingPunct="1">
+              <a:lnSpc>
+                <a:spcPct val="100000"/>
+              </a:lnSpc>
+              <a:spcBef>
+                <a:spcPct val="0"/>
+              </a:spcBef>
+              <a:spcAft>
+                <a:spcPct val="0"/>
+              </a:spcAft>
+              <a:buClrTx/>
+              <a:buSzTx/>
+              <a:buFontTx/>
+              <a:buNone/>
+              <a:tabLst/>
+              <a:defRPr/>
+            </a:pPr>
+            <a:endParaRPr kumimoji="0" lang="en-US" sz="1600" b="0" i="0" u="none" strike="noStrike" kern="0" cap="none" spc="0" normalizeH="0" baseline="0" noProof="0" dirty="0">
+              <a:ln>
+                <a:noFill/>
+              </a:ln>
+              <a:gradFill>
+                <a:gsLst>
+                  <a:gs pos="40075">
+                    <a:srgbClr val="FFFFFF"/>
+                  </a:gs>
+                  <a:gs pos="30000">
+                    <a:srgbClr val="FFFFFF"/>
+                  </a:gs>
+                </a:gsLst>
+                <a:lin ang="5400000" scaled="0"/>
+              </a:gradFill>
+              <a:effectLst/>
+              <a:uLnTx/>
+              <a:uFillTx/>
+              <a:latin typeface="Segoe UI"/>
+              <a:ea typeface="+mn-ea"/>
+              <a:cs typeface="+mn-cs"/>
+            </a:endParaRPr>
+          </a:p>
+        </p:txBody>
+      </p:sp>
+      <p:cxnSp>
+        <p:nvCxnSpPr>
+          <p:cNvPr id="254" name="Connector: Elbow 253">
+            <a:extLst>
+              <a:ext uri="{FF2B5EF4-FFF2-40B4-BE49-F238E27FC236}">
+                <a16:creationId xmlns:a16="http://schemas.microsoft.com/office/drawing/2014/main" id="{F7A361F1-050B-405B-A6A0-1D33E158F5D8}"/>
+              </a:ext>
+            </a:extLst>
+          </p:cNvPr>
+          <p:cNvCxnSpPr>
+            <a:cxnSpLocks/>
+          </p:cNvCxnSpPr>
+          <p:nvPr/>
+        </p:nvCxnSpPr>
+        <p:spPr>
+          <a:xfrm rot="5400000">
+            <a:off x="8005431" y="3861200"/>
+            <a:ext cx="1314174" cy="384466"/>
+          </a:xfrm>
+          <a:prstGeom prst="bentConnector3">
+            <a:avLst/>
+          </a:prstGeom>
+          <a:ln>
+            <a:tailEnd type="triangle"/>
+          </a:ln>
+        </p:spPr>
+        <p:style>
+          <a:lnRef idx="1">
+            <a:schemeClr val="accent1"/>
+          </a:lnRef>
+          <a:fillRef idx="0">
+            <a:schemeClr val="accent1"/>
+          </a:fillRef>
+          <a:effectRef idx="0">
+            <a:schemeClr val="accent1"/>
+          </a:effectRef>
+          <a:fontRef idx="minor">
+            <a:schemeClr val="tx1"/>
+          </a:fontRef>
+        </p:style>
+      </p:cxnSp>
+      <p:cxnSp>
+        <p:nvCxnSpPr>
+          <p:cNvPr id="294" name="Connector: Elbow 293">
+            <a:extLst>
+              <a:ext uri="{FF2B5EF4-FFF2-40B4-BE49-F238E27FC236}">
+                <a16:creationId xmlns:a16="http://schemas.microsoft.com/office/drawing/2014/main" id="{E0CF7249-D5D7-40C0-875B-6FA89E9D3214}"/>
+              </a:ext>
+            </a:extLst>
+          </p:cNvPr>
+          <p:cNvCxnSpPr>
+            <a:cxnSpLocks/>
+            <a:endCxn id="222" idx="1"/>
+          </p:cNvCxnSpPr>
+          <p:nvPr/>
+        </p:nvCxnSpPr>
+        <p:spPr>
+          <a:xfrm>
+            <a:off x="6790095" y="4878862"/>
+            <a:ext cx="1088637" cy="764483"/>
+          </a:xfrm>
+          <a:prstGeom prst="bentConnector3">
+            <a:avLst>
+              <a:gd name="adj1" fmla="val 50000"/>
+            </a:avLst>
+          </a:prstGeom>
+          <a:ln>
+            <a:headEnd type="triangle" w="med" len="med"/>
+            <a:tailEnd type="none" w="med" len="med"/>
+          </a:ln>
+        </p:spPr>
+        <p:style>
+          <a:lnRef idx="1">
+            <a:schemeClr val="accent1"/>
+          </a:lnRef>
+          <a:fillRef idx="0">
+            <a:schemeClr val="accent1"/>
+          </a:fillRef>
+          <a:effectRef idx="0">
+            <a:schemeClr val="accent1"/>
+          </a:effectRef>
+          <a:fontRef idx="minor">
+            <a:schemeClr val="tx1"/>
+          </a:fontRef>
+        </p:style>
+      </p:cxnSp>
+      <p:sp>
+        <p:nvSpPr>
+          <p:cNvPr id="299" name="TextBox 298">
+            <a:extLst>
+              <a:ext uri="{FF2B5EF4-FFF2-40B4-BE49-F238E27FC236}">
+                <a16:creationId xmlns:a16="http://schemas.microsoft.com/office/drawing/2014/main" id="{F68551E7-84BC-49D3-AA88-F1F77D024B74}"/>
+              </a:ext>
+            </a:extLst>
+          </p:cNvPr>
+          <p:cNvSpPr txBox="1"/>
+          <p:nvPr/>
+        </p:nvSpPr>
+        <p:spPr>
+          <a:xfrm>
+            <a:off x="3900646" y="3750572"/>
+            <a:ext cx="977056" cy="461665"/>
+          </a:xfrm>
+          <a:prstGeom prst="rect">
+            <a:avLst/>
+          </a:prstGeom>
+          <a:noFill/>
+        </p:spPr>
+        <p:txBody>
+          <a:bodyPr wrap="square" rtlCol="0">
+            <a:spAutoFit/>
+          </a:bodyPr>
+          <a:lstStyle/>
+          <a:p>
+            <a:pPr algn="ctr"/>
+            <a:r>
+              <a:rPr lang="en-US" sz="1200" dirty="0"/>
+              <a:t>Register model</a:t>
+            </a:r>
+          </a:p>
+        </p:txBody>
+      </p:sp>
+    </p:spTree>
+    <p:extLst>
+      <p:ext uri="{BB962C8B-B14F-4D97-AF65-F5344CB8AC3E}">
+        <p14:creationId xmlns:p14="http://schemas.microsoft.com/office/powerpoint/2010/main" val="763417172"/>
+      </p:ext>
+    </p:extLst>
+  </p:cSld>
+  <p:clrMapOvr>
+    <a:masterClrMapping/>
+  </p:clrMapOvr>
+</p:sld>
+</file>
+
 <file path=ppt/theme/theme1.xml><?xml version="1.0" encoding="utf-8"?>
 <a:theme xmlns:a="http://schemas.openxmlformats.org/drawingml/2006/main" name="Office Theme">
   <a:themeElements>
